--- a/Diagram/001_Document/Diagrma_Image_TC_Creator.pptx
+++ b/Diagram/001_Document/Diagrma_Image_TC_Creator.pptx
@@ -5,7 +5,8 @@
     <p:sldMasterId id="2147483648" r:id="rId1"/>
   </p:sldMasterIdLst>
   <p:sldIdLst>
-    <p:sldId id="256" r:id="rId2"/>
+    <p:sldId id="259" r:id="rId2"/>
+    <p:sldId id="260" r:id="rId3"/>
   </p:sldIdLst>
   <p:sldSz cx="12192000" cy="6858000"/>
   <p:notesSz cx="6858000" cy="9144000"/>
@@ -243,7 +244,7 @@
           <a:p>
             <a:fld id="{67C952B8-B92B-462F-8B12-BB1062278B34}" type="datetimeFigureOut">
               <a:rPr lang="ko-KR" altLang="en-US" smtClean="0"/>
-              <a:t>2024-06-21</a:t>
+              <a:t>2024-10-28</a:t>
             </a:fld>
             <a:endParaRPr lang="ko-KR" altLang="en-US"/>
           </a:p>
@@ -413,7 +414,7 @@
           <a:p>
             <a:fld id="{67C952B8-B92B-462F-8B12-BB1062278B34}" type="datetimeFigureOut">
               <a:rPr lang="ko-KR" altLang="en-US" smtClean="0"/>
-              <a:t>2024-06-21</a:t>
+              <a:t>2024-10-28</a:t>
             </a:fld>
             <a:endParaRPr lang="ko-KR" altLang="en-US"/>
           </a:p>
@@ -593,7 +594,7 @@
           <a:p>
             <a:fld id="{67C952B8-B92B-462F-8B12-BB1062278B34}" type="datetimeFigureOut">
               <a:rPr lang="ko-KR" altLang="en-US" smtClean="0"/>
-              <a:t>2024-06-21</a:t>
+              <a:t>2024-10-28</a:t>
             </a:fld>
             <a:endParaRPr lang="ko-KR" altLang="en-US"/>
           </a:p>
@@ -763,7 +764,7 @@
           <a:p>
             <a:fld id="{67C952B8-B92B-462F-8B12-BB1062278B34}" type="datetimeFigureOut">
               <a:rPr lang="ko-KR" altLang="en-US" smtClean="0"/>
-              <a:t>2024-06-21</a:t>
+              <a:t>2024-10-28</a:t>
             </a:fld>
             <a:endParaRPr lang="ko-KR" altLang="en-US"/>
           </a:p>
@@ -1009,7 +1010,7 @@
           <a:p>
             <a:fld id="{67C952B8-B92B-462F-8B12-BB1062278B34}" type="datetimeFigureOut">
               <a:rPr lang="ko-KR" altLang="en-US" smtClean="0"/>
-              <a:t>2024-06-21</a:t>
+              <a:t>2024-10-28</a:t>
             </a:fld>
             <a:endParaRPr lang="ko-KR" altLang="en-US"/>
           </a:p>
@@ -1241,7 +1242,7 @@
           <a:p>
             <a:fld id="{67C952B8-B92B-462F-8B12-BB1062278B34}" type="datetimeFigureOut">
               <a:rPr lang="ko-KR" altLang="en-US" smtClean="0"/>
-              <a:t>2024-06-21</a:t>
+              <a:t>2024-10-28</a:t>
             </a:fld>
             <a:endParaRPr lang="ko-KR" altLang="en-US"/>
           </a:p>
@@ -1608,7 +1609,7 @@
           <a:p>
             <a:fld id="{67C952B8-B92B-462F-8B12-BB1062278B34}" type="datetimeFigureOut">
               <a:rPr lang="ko-KR" altLang="en-US" smtClean="0"/>
-              <a:t>2024-06-21</a:t>
+              <a:t>2024-10-28</a:t>
             </a:fld>
             <a:endParaRPr lang="ko-KR" altLang="en-US"/>
           </a:p>
@@ -1726,7 +1727,7 @@
           <a:p>
             <a:fld id="{67C952B8-B92B-462F-8B12-BB1062278B34}" type="datetimeFigureOut">
               <a:rPr lang="ko-KR" altLang="en-US" smtClean="0"/>
-              <a:t>2024-06-21</a:t>
+              <a:t>2024-10-28</a:t>
             </a:fld>
             <a:endParaRPr lang="ko-KR" altLang="en-US"/>
           </a:p>
@@ -1821,7 +1822,7 @@
           <a:p>
             <a:fld id="{67C952B8-B92B-462F-8B12-BB1062278B34}" type="datetimeFigureOut">
               <a:rPr lang="ko-KR" altLang="en-US" smtClean="0"/>
-              <a:t>2024-06-21</a:t>
+              <a:t>2024-10-28</a:t>
             </a:fld>
             <a:endParaRPr lang="ko-KR" altLang="en-US"/>
           </a:p>
@@ -2098,7 +2099,7 @@
           <a:p>
             <a:fld id="{67C952B8-B92B-462F-8B12-BB1062278B34}" type="datetimeFigureOut">
               <a:rPr lang="ko-KR" altLang="en-US" smtClean="0"/>
-              <a:t>2024-06-21</a:t>
+              <a:t>2024-10-28</a:t>
             </a:fld>
             <a:endParaRPr lang="ko-KR" altLang="en-US"/>
           </a:p>
@@ -2351,7 +2352,7 @@
           <a:p>
             <a:fld id="{67C952B8-B92B-462F-8B12-BB1062278B34}" type="datetimeFigureOut">
               <a:rPr lang="ko-KR" altLang="en-US" smtClean="0"/>
-              <a:t>2024-06-21</a:t>
+              <a:t>2024-10-28</a:t>
             </a:fld>
             <a:endParaRPr lang="ko-KR" altLang="en-US"/>
           </a:p>
@@ -2564,7 +2565,7 @@
           <a:p>
             <a:fld id="{67C952B8-B92B-462F-8B12-BB1062278B34}" type="datetimeFigureOut">
               <a:rPr lang="ko-KR" altLang="en-US" smtClean="0"/>
-              <a:t>2024-06-21</a:t>
+              <a:t>2024-10-28</a:t>
             </a:fld>
             <a:endParaRPr lang="ko-KR" altLang="en-US"/>
           </a:p>
@@ -2977,8 +2978,8 @@
         </p:nvSpPr>
         <p:spPr>
           <a:xfrm>
-            <a:off x="409718" y="218803"/>
-            <a:ext cx="3312001" cy="738664"/>
+            <a:off x="706031" y="1153816"/>
+            <a:ext cx="4081843" cy="738664"/>
           </a:xfrm>
           <a:prstGeom prst="rect">
             <a:avLst/>
@@ -3007,48 +3008,6 @@
           </a:p>
         </p:txBody>
       </p:sp>
-      <p:sp>
-        <p:nvSpPr>
-          <p:cNvPr id="66" name="TextBox 65"/>
-          <p:cNvSpPr txBox="1"/>
-          <p:nvPr/>
-        </p:nvSpPr>
-        <p:spPr>
-          <a:xfrm>
-            <a:off x="5615977" y="218803"/>
-            <a:ext cx="4472513" cy="738664"/>
-          </a:xfrm>
-          <a:prstGeom prst="rect">
-            <a:avLst/>
-          </a:prstGeom>
-          <a:noFill/>
-        </p:spPr>
-        <p:txBody>
-          <a:bodyPr wrap="square" rtlCol="0">
-            <a:spAutoFit/>
-          </a:bodyPr>
-          <a:lstStyle/>
-          <a:p>
-            <a:pPr algn="ctr"/>
-            <a:r>
-              <a:rPr lang="en-US" altLang="ko-KR" sz="2400" b="1" dirty="0" smtClean="0"/>
-              <a:t>TC Creator</a:t>
-            </a:r>
-          </a:p>
-          <a:p>
-            <a:pPr algn="ctr"/>
-            <a:r>
-              <a:rPr lang="en-US" altLang="ko-KR" dirty="0" smtClean="0"/>
-              <a:t>Software </a:t>
-            </a:r>
-            <a:r>
-              <a:rPr lang="en-US" altLang="ko-KR" dirty="0"/>
-              <a:t>Architecture</a:t>
-            </a:r>
-            <a:endParaRPr lang="ko-KR" altLang="en-US" dirty="0"/>
-          </a:p>
-        </p:txBody>
-      </p:sp>
       <p:grpSp>
         <p:nvGrpSpPr>
           <p:cNvPr id="4" name="그룹 3"/>
@@ -3057,7 +3016,7 @@
         </p:nvGrpSpPr>
         <p:grpSpPr>
           <a:xfrm>
-            <a:off x="409717" y="974948"/>
+            <a:off x="706030" y="1909961"/>
             <a:ext cx="4081844" cy="3767227"/>
             <a:chOff x="409717" y="974948"/>
             <a:chExt cx="4081844" cy="3767227"/>
@@ -3217,8 +3176,8 @@
             </a:prstGeom>
             <a:solidFill>
               <a:schemeClr val="accent4">
-                <a:lumMod val="60000"/>
-                <a:lumOff val="40000"/>
+                <a:lumMod val="40000"/>
+                <a:lumOff val="60000"/>
               </a:schemeClr>
             </a:solidFill>
             <a:ln w="9525">
@@ -3490,7 +3449,7 @@
                 <a:avLst/>
               </a:prstGeom>
               <a:solidFill>
-                <a:schemeClr val="accent5">
+                <a:schemeClr val="accent1">
                   <a:lumMod val="40000"/>
                   <a:lumOff val="60000"/>
                 </a:schemeClr>
@@ -3730,7 +3689,7 @@
                 <a:avLst/>
               </a:prstGeom>
               <a:solidFill>
-                <a:schemeClr val="accent5">
+                <a:schemeClr val="accent1">
                   <a:lumMod val="40000"/>
                   <a:lumOff val="60000"/>
                 </a:schemeClr>
@@ -3970,7 +3929,7 @@
                 <a:avLst/>
               </a:prstGeom>
               <a:solidFill>
-                <a:schemeClr val="accent5">
+                <a:schemeClr val="accent1">
                   <a:lumMod val="40000"/>
                   <a:lumOff val="60000"/>
                 </a:schemeClr>
@@ -4308,6 +4267,48 @@
           </p:txBody>
         </p:sp>
       </p:grpSp>
+      <p:sp>
+        <p:nvSpPr>
+          <p:cNvPr id="66" name="TextBox 65"/>
+          <p:cNvSpPr txBox="1"/>
+          <p:nvPr/>
+        </p:nvSpPr>
+        <p:spPr>
+          <a:xfrm>
+            <a:off x="6425345" y="1460657"/>
+            <a:ext cx="4472513" cy="738664"/>
+          </a:xfrm>
+          <a:prstGeom prst="rect">
+            <a:avLst/>
+          </a:prstGeom>
+          <a:noFill/>
+        </p:spPr>
+        <p:txBody>
+          <a:bodyPr wrap="square" rtlCol="0">
+            <a:spAutoFit/>
+          </a:bodyPr>
+          <a:lstStyle/>
+          <a:p>
+            <a:pPr algn="ctr"/>
+            <a:r>
+              <a:rPr lang="en-US" altLang="ko-KR" sz="2400" b="1" dirty="0" smtClean="0"/>
+              <a:t>TC Creator</a:t>
+            </a:r>
+          </a:p>
+          <a:p>
+            <a:pPr algn="ctr"/>
+            <a:r>
+              <a:rPr lang="en-US" altLang="ko-KR" dirty="0" smtClean="0"/>
+              <a:t>Software </a:t>
+            </a:r>
+            <a:r>
+              <a:rPr lang="en-US" altLang="ko-KR" dirty="0"/>
+              <a:t>Architecture</a:t>
+            </a:r>
+            <a:endParaRPr lang="ko-KR" altLang="en-US" dirty="0"/>
+          </a:p>
+        </p:txBody>
+      </p:sp>
       <p:grpSp>
         <p:nvGrpSpPr>
           <p:cNvPr id="77" name="그룹 76"/>
@@ -4316,7 +4317,7 @@
         </p:nvGrpSpPr>
         <p:grpSpPr>
           <a:xfrm>
-            <a:off x="5615475" y="974948"/>
+            <a:off x="6424843" y="2216802"/>
             <a:ext cx="4473015" cy="3428093"/>
             <a:chOff x="5615475" y="974948"/>
             <a:chExt cx="4473015" cy="3428093"/>
@@ -5667,10 +5668,3147 @@
           </p:txBody>
         </p:sp>
       </p:grpSp>
+      <p:sp>
+        <p:nvSpPr>
+          <p:cNvPr id="73" name="TextBox 72"/>
+          <p:cNvSpPr txBox="1"/>
+          <p:nvPr/>
+        </p:nvSpPr>
+        <p:spPr>
+          <a:xfrm>
+            <a:off x="191773" y="145304"/>
+            <a:ext cx="6320481" cy="369332"/>
+          </a:xfrm>
+          <a:prstGeom prst="rect">
+            <a:avLst/>
+          </a:prstGeom>
+          <a:noFill/>
+        </p:spPr>
+        <p:txBody>
+          <a:bodyPr wrap="square" rtlCol="0">
+            <a:spAutoFit/>
+          </a:bodyPr>
+          <a:lstStyle/>
+          <a:p>
+            <a:r>
+              <a:rPr lang="en-US" altLang="ko-KR" dirty="0" smtClean="0"/>
+              <a:t>Version 1.0</a:t>
+            </a:r>
+            <a:endParaRPr lang="ko-KR" altLang="en-US"/>
+          </a:p>
+        </p:txBody>
+      </p:sp>
     </p:spTree>
     <p:extLst>
       <p:ext uri="{BB962C8B-B14F-4D97-AF65-F5344CB8AC3E}">
-        <p14:creationId xmlns:p14="http://schemas.microsoft.com/office/powerpoint/2010/main" val="1931649487"/>
+        <p14:creationId xmlns:p14="http://schemas.microsoft.com/office/powerpoint/2010/main" val="2185480937"/>
+      </p:ext>
+    </p:extLst>
+  </p:cSld>
+  <p:clrMapOvr>
+    <a:masterClrMapping/>
+  </p:clrMapOvr>
+</p:sld>
+</file>
+
+<file path=ppt/slides/slide2.xml><?xml version="1.0" encoding="utf-8"?>
+<p:sld xmlns:a="http://schemas.openxmlformats.org/drawingml/2006/main" xmlns:r="http://schemas.openxmlformats.org/officeDocument/2006/relationships" xmlns:p="http://schemas.openxmlformats.org/presentationml/2006/main">
+  <p:cSld>
+    <p:spTree>
+      <p:nvGrpSpPr>
+        <p:cNvPr id="1" name=""/>
+        <p:cNvGrpSpPr/>
+        <p:nvPr/>
+      </p:nvGrpSpPr>
+      <p:grpSpPr>
+        <a:xfrm>
+          <a:off x="0" y="0"/>
+          <a:ext cx="0" cy="0"/>
+          <a:chOff x="0" y="0"/>
+          <a:chExt cx="0" cy="0"/>
+        </a:xfrm>
+      </p:grpSpPr>
+      <p:sp>
+        <p:nvSpPr>
+          <p:cNvPr id="3" name="TextBox 2"/>
+          <p:cNvSpPr txBox="1"/>
+          <p:nvPr/>
+        </p:nvSpPr>
+        <p:spPr>
+          <a:xfrm>
+            <a:off x="191773" y="145304"/>
+            <a:ext cx="6320481" cy="369332"/>
+          </a:xfrm>
+          <a:prstGeom prst="rect">
+            <a:avLst/>
+          </a:prstGeom>
+          <a:noFill/>
+        </p:spPr>
+        <p:txBody>
+          <a:bodyPr wrap="square" rtlCol="0">
+            <a:spAutoFit/>
+          </a:bodyPr>
+          <a:lstStyle/>
+          <a:p>
+            <a:r>
+              <a:rPr lang="en-US" altLang="ko-KR" dirty="0" smtClean="0"/>
+              <a:t>Version 2.0</a:t>
+            </a:r>
+            <a:endParaRPr lang="ko-KR" altLang="en-US"/>
+          </a:p>
+        </p:txBody>
+      </p:sp>
+      <p:sp>
+        <p:nvSpPr>
+          <p:cNvPr id="74" name="TextBox 73"/>
+          <p:cNvSpPr txBox="1"/>
+          <p:nvPr/>
+        </p:nvSpPr>
+        <p:spPr>
+          <a:xfrm>
+            <a:off x="508572" y="1108489"/>
+            <a:ext cx="4866617" cy="738664"/>
+          </a:xfrm>
+          <a:prstGeom prst="rect">
+            <a:avLst/>
+          </a:prstGeom>
+          <a:noFill/>
+        </p:spPr>
+        <p:txBody>
+          <a:bodyPr wrap="square" rtlCol="0">
+            <a:spAutoFit/>
+          </a:bodyPr>
+          <a:lstStyle/>
+          <a:p>
+            <a:pPr algn="ctr"/>
+            <a:r>
+              <a:rPr lang="en-US" altLang="ko-KR" sz="2400" b="1" dirty="0" smtClean="0"/>
+              <a:t>TC Creator</a:t>
+            </a:r>
+          </a:p>
+          <a:p>
+            <a:pPr algn="ctr"/>
+            <a:r>
+              <a:rPr lang="en-US" altLang="ko-KR" dirty="0"/>
+              <a:t>System Block Diagram</a:t>
+            </a:r>
+            <a:endParaRPr lang="ko-KR" altLang="en-US" dirty="0"/>
+          </a:p>
+        </p:txBody>
+      </p:sp>
+      <p:grpSp>
+        <p:nvGrpSpPr>
+          <p:cNvPr id="75" name="그룹 74"/>
+          <p:cNvGrpSpPr/>
+          <p:nvPr/>
+        </p:nvGrpSpPr>
+        <p:grpSpPr>
+          <a:xfrm>
+            <a:off x="508571" y="1864634"/>
+            <a:ext cx="4866618" cy="3767227"/>
+            <a:chOff x="409717" y="974948"/>
+            <a:chExt cx="4866618" cy="3767227"/>
+          </a:xfrm>
+        </p:grpSpPr>
+        <p:sp>
+          <p:nvSpPr>
+            <p:cNvPr id="76" name="직사각형 75"/>
+            <p:cNvSpPr/>
+            <p:nvPr/>
+          </p:nvSpPr>
+          <p:spPr>
+            <a:xfrm>
+              <a:off x="411088" y="974948"/>
+              <a:ext cx="4865247" cy="3350104"/>
+            </a:xfrm>
+            <a:prstGeom prst="rect">
+              <a:avLst/>
+            </a:prstGeom>
+            <a:solidFill>
+              <a:schemeClr val="bg1">
+                <a:lumMod val="95000"/>
+              </a:schemeClr>
+            </a:solidFill>
+            <a:ln w="9525">
+              <a:solidFill>
+                <a:schemeClr val="tx1"/>
+              </a:solidFill>
+            </a:ln>
+          </p:spPr>
+          <p:style>
+            <a:lnRef idx="2">
+              <a:schemeClr val="accent1">
+                <a:shade val="50000"/>
+              </a:schemeClr>
+            </a:lnRef>
+            <a:fillRef idx="1">
+              <a:schemeClr val="accent1"/>
+            </a:fillRef>
+            <a:effectRef idx="0">
+              <a:schemeClr val="accent1"/>
+            </a:effectRef>
+            <a:fontRef idx="minor">
+              <a:schemeClr val="lt1"/>
+            </a:fontRef>
+          </p:style>
+          <p:txBody>
+            <a:bodyPr rtlCol="0" anchor="t" anchorCtr="0"/>
+            <a:lstStyle/>
+            <a:p>
+              <a:pPr algn="ctr"/>
+              <a:r>
+                <a:rPr lang="en-US" altLang="ko-KR" sz="1600" dirty="0" smtClean="0">
+                  <a:solidFill>
+                    <a:schemeClr val="tx1"/>
+                  </a:solidFill>
+                </a:rPr>
+                <a:t>TC Creator</a:t>
+              </a:r>
+              <a:endParaRPr lang="ko-KR" altLang="en-US" sz="1600" dirty="0">
+                <a:solidFill>
+                  <a:schemeClr val="tx1"/>
+                </a:solidFill>
+              </a:endParaRPr>
+            </a:p>
+          </p:txBody>
+        </p:sp>
+        <p:sp>
+          <p:nvSpPr>
+            <p:cNvPr id="78" name="직사각형 77"/>
+            <p:cNvSpPr/>
+            <p:nvPr/>
+          </p:nvSpPr>
+          <p:spPr>
+            <a:xfrm>
+              <a:off x="535718" y="3986609"/>
+              <a:ext cx="4621316" cy="276172"/>
+            </a:xfrm>
+            <a:prstGeom prst="rect">
+              <a:avLst/>
+            </a:prstGeom>
+            <a:solidFill>
+              <a:srgbClr val="92D050"/>
+            </a:solidFill>
+            <a:ln w="9525">
+              <a:solidFill>
+                <a:schemeClr val="tx1"/>
+              </a:solidFill>
+            </a:ln>
+          </p:spPr>
+          <p:style>
+            <a:lnRef idx="2">
+              <a:schemeClr val="accent1">
+                <a:shade val="50000"/>
+              </a:schemeClr>
+            </a:lnRef>
+            <a:fillRef idx="1">
+              <a:schemeClr val="accent1"/>
+            </a:fillRef>
+            <a:effectRef idx="0">
+              <a:schemeClr val="accent1"/>
+            </a:effectRef>
+            <a:fontRef idx="minor">
+              <a:schemeClr val="lt1"/>
+            </a:fontRef>
+          </p:style>
+          <p:txBody>
+            <a:bodyPr rtlCol="0" anchor="ctr" anchorCtr="0"/>
+            <a:lstStyle/>
+            <a:p>
+              <a:pPr algn="ctr"/>
+              <a:r>
+                <a:rPr lang="en-US" altLang="ko-KR" sz="1400" dirty="0" smtClean="0">
+                  <a:solidFill>
+                    <a:schemeClr val="tx1"/>
+                  </a:solidFill>
+                </a:rPr>
+                <a:t>QT </a:t>
+              </a:r>
+              <a:r>
+                <a:rPr lang="en-US" altLang="ko-KR" sz="1200" dirty="0" smtClean="0">
+                  <a:solidFill>
+                    <a:schemeClr val="tx1"/>
+                  </a:solidFill>
+                </a:rPr>
+                <a:t>Framework</a:t>
+              </a:r>
+              <a:r>
+                <a:rPr lang="en-US" altLang="ko-KR" sz="1400" dirty="0" smtClean="0">
+                  <a:solidFill>
+                    <a:schemeClr val="tx1"/>
+                  </a:solidFill>
+                </a:rPr>
+                <a:t> (v6.2.4)</a:t>
+              </a:r>
+              <a:endParaRPr lang="ko-KR" altLang="en-US" sz="1400" dirty="0">
+                <a:solidFill>
+                  <a:schemeClr val="tx1"/>
+                </a:solidFill>
+              </a:endParaRPr>
+            </a:p>
+          </p:txBody>
+        </p:sp>
+        <p:sp>
+          <p:nvSpPr>
+            <p:cNvPr id="79" name="직사각형 78"/>
+            <p:cNvSpPr/>
+            <p:nvPr/>
+          </p:nvSpPr>
+          <p:spPr>
+            <a:xfrm>
+              <a:off x="409717" y="4382175"/>
+              <a:ext cx="4866618" cy="360000"/>
+            </a:xfrm>
+            <a:prstGeom prst="rect">
+              <a:avLst/>
+            </a:prstGeom>
+            <a:solidFill>
+              <a:schemeClr val="accent4">
+                <a:lumMod val="40000"/>
+                <a:lumOff val="60000"/>
+              </a:schemeClr>
+            </a:solidFill>
+            <a:ln w="9525">
+              <a:solidFill>
+                <a:schemeClr val="tx1"/>
+              </a:solidFill>
+            </a:ln>
+          </p:spPr>
+          <p:style>
+            <a:lnRef idx="2">
+              <a:schemeClr val="accent1">
+                <a:shade val="50000"/>
+              </a:schemeClr>
+            </a:lnRef>
+            <a:fillRef idx="1">
+              <a:schemeClr val="accent1"/>
+            </a:fillRef>
+            <a:effectRef idx="0">
+              <a:schemeClr val="accent1"/>
+            </a:effectRef>
+            <a:fontRef idx="minor">
+              <a:schemeClr val="lt1"/>
+            </a:fontRef>
+          </p:style>
+          <p:txBody>
+            <a:bodyPr rtlCol="0" anchor="ctr" anchorCtr="0"/>
+            <a:lstStyle/>
+            <a:p>
+              <a:pPr algn="ctr"/>
+              <a:r>
+                <a:rPr lang="en-US" altLang="ko-KR" sz="1200" dirty="0" smtClean="0">
+                  <a:solidFill>
+                    <a:schemeClr val="tx1"/>
+                  </a:solidFill>
+                </a:rPr>
+                <a:t>Python</a:t>
+              </a:r>
+              <a:endParaRPr lang="ko-KR" altLang="en-US" sz="1400" dirty="0">
+                <a:solidFill>
+                  <a:schemeClr val="tx1"/>
+                </a:solidFill>
+              </a:endParaRPr>
+            </a:p>
+          </p:txBody>
+        </p:sp>
+        <p:sp>
+          <p:nvSpPr>
+            <p:cNvPr id="80" name="직사각형 79"/>
+            <p:cNvSpPr/>
+            <p:nvPr/>
+          </p:nvSpPr>
+          <p:spPr>
+            <a:xfrm>
+              <a:off x="535719" y="3465436"/>
+              <a:ext cx="676184" cy="432000"/>
+            </a:xfrm>
+            <a:prstGeom prst="rect">
+              <a:avLst/>
+            </a:prstGeom>
+            <a:solidFill>
+              <a:schemeClr val="accent6">
+                <a:lumMod val="20000"/>
+                <a:lumOff val="80000"/>
+              </a:schemeClr>
+            </a:solidFill>
+            <a:ln w="9525">
+              <a:solidFill>
+                <a:schemeClr val="tx1"/>
+              </a:solidFill>
+            </a:ln>
+          </p:spPr>
+          <p:style>
+            <a:lnRef idx="2">
+              <a:schemeClr val="accent1">
+                <a:shade val="50000"/>
+              </a:schemeClr>
+            </a:lnRef>
+            <a:fillRef idx="1">
+              <a:schemeClr val="accent1"/>
+            </a:fillRef>
+            <a:effectRef idx="0">
+              <a:schemeClr val="accent1"/>
+            </a:effectRef>
+            <a:fontRef idx="minor">
+              <a:schemeClr val="lt1"/>
+            </a:fontRef>
+          </p:style>
+          <p:txBody>
+            <a:bodyPr rtlCol="0" anchor="ctr" anchorCtr="0"/>
+            <a:lstStyle/>
+            <a:p>
+              <a:pPr algn="ctr"/>
+              <a:r>
+                <a:rPr lang="en-US" altLang="ko-KR" sz="1100" dirty="0" smtClean="0">
+                  <a:solidFill>
+                    <a:schemeClr val="tx1"/>
+                  </a:solidFill>
+                </a:rPr>
+                <a:t>Control Manger</a:t>
+              </a:r>
+              <a:endParaRPr lang="ko-KR" altLang="en-US" sz="1100" dirty="0">
+                <a:solidFill>
+                  <a:schemeClr val="tx1"/>
+                </a:solidFill>
+              </a:endParaRPr>
+            </a:p>
+          </p:txBody>
+        </p:sp>
+        <p:sp>
+          <p:nvSpPr>
+            <p:cNvPr id="81" name="직사각형 80"/>
+            <p:cNvSpPr/>
+            <p:nvPr/>
+          </p:nvSpPr>
+          <p:spPr>
+            <a:xfrm>
+              <a:off x="1344979" y="3468293"/>
+              <a:ext cx="676184" cy="432000"/>
+            </a:xfrm>
+            <a:prstGeom prst="rect">
+              <a:avLst/>
+            </a:prstGeom>
+            <a:solidFill>
+              <a:schemeClr val="accent6">
+                <a:lumMod val="20000"/>
+                <a:lumOff val="80000"/>
+              </a:schemeClr>
+            </a:solidFill>
+            <a:ln w="9525">
+              <a:solidFill>
+                <a:schemeClr val="tx1"/>
+              </a:solidFill>
+            </a:ln>
+          </p:spPr>
+          <p:style>
+            <a:lnRef idx="2">
+              <a:schemeClr val="accent1">
+                <a:shade val="50000"/>
+              </a:schemeClr>
+            </a:lnRef>
+            <a:fillRef idx="1">
+              <a:schemeClr val="accent1"/>
+            </a:fillRef>
+            <a:effectRef idx="0">
+              <a:schemeClr val="accent1"/>
+            </a:effectRef>
+            <a:fontRef idx="minor">
+              <a:schemeClr val="lt1"/>
+            </a:fontRef>
+          </p:style>
+          <p:txBody>
+            <a:bodyPr rtlCol="0" anchor="ctr" anchorCtr="0"/>
+            <a:lstStyle/>
+            <a:p>
+              <a:pPr algn="ctr"/>
+              <a:r>
+                <a:rPr lang="en-US" altLang="ko-KR" sz="1100" dirty="0" smtClean="0">
+                  <a:solidFill>
+                    <a:schemeClr val="tx1"/>
+                  </a:solidFill>
+                </a:rPr>
+                <a:t>Screen Info</a:t>
+              </a:r>
+              <a:endParaRPr lang="ko-KR" altLang="en-US" sz="1100" dirty="0">
+                <a:solidFill>
+                  <a:schemeClr val="tx1"/>
+                </a:solidFill>
+              </a:endParaRPr>
+            </a:p>
+          </p:txBody>
+        </p:sp>
+        <p:sp>
+          <p:nvSpPr>
+            <p:cNvPr id="82" name="직사각형 81"/>
+            <p:cNvSpPr/>
+            <p:nvPr/>
+          </p:nvSpPr>
+          <p:spPr>
+            <a:xfrm>
+              <a:off x="2132177" y="3465436"/>
+              <a:ext cx="676184" cy="432000"/>
+            </a:xfrm>
+            <a:prstGeom prst="rect">
+              <a:avLst/>
+            </a:prstGeom>
+            <a:solidFill>
+              <a:schemeClr val="accent6">
+                <a:lumMod val="20000"/>
+                <a:lumOff val="80000"/>
+              </a:schemeClr>
+            </a:solidFill>
+            <a:ln w="9525">
+              <a:solidFill>
+                <a:schemeClr val="tx1"/>
+              </a:solidFill>
+            </a:ln>
+          </p:spPr>
+          <p:style>
+            <a:lnRef idx="2">
+              <a:schemeClr val="accent1">
+                <a:shade val="50000"/>
+              </a:schemeClr>
+            </a:lnRef>
+            <a:fillRef idx="1">
+              <a:schemeClr val="accent1"/>
+            </a:fillRef>
+            <a:effectRef idx="0">
+              <a:schemeClr val="accent1"/>
+            </a:effectRef>
+            <a:fontRef idx="minor">
+              <a:schemeClr val="lt1"/>
+            </a:fontRef>
+          </p:style>
+          <p:txBody>
+            <a:bodyPr rtlCol="0" anchor="ctr" anchorCtr="0"/>
+            <a:lstStyle/>
+            <a:p>
+              <a:pPr algn="ctr"/>
+              <a:r>
+                <a:rPr lang="en-US" altLang="ko-KR" sz="1100" dirty="0" err="1" smtClean="0">
+                  <a:solidFill>
+                    <a:schemeClr val="tx1"/>
+                  </a:solidFill>
+                </a:rPr>
+                <a:t>Config</a:t>
+              </a:r>
+              <a:r>
+                <a:rPr lang="en-US" altLang="ko-KR" sz="1100" dirty="0" smtClean="0">
+                  <a:solidFill>
+                    <a:schemeClr val="tx1"/>
+                  </a:solidFill>
+                </a:rPr>
+                <a:t> Setting</a:t>
+              </a:r>
+              <a:endParaRPr lang="ko-KR" altLang="en-US" sz="1100" dirty="0">
+                <a:solidFill>
+                  <a:schemeClr val="tx1"/>
+                </a:solidFill>
+              </a:endParaRPr>
+            </a:p>
+          </p:txBody>
+        </p:sp>
+        <p:grpSp>
+          <p:nvGrpSpPr>
+            <p:cNvPr id="83" name="그룹 82"/>
+            <p:cNvGrpSpPr/>
+            <p:nvPr/>
+          </p:nvGrpSpPr>
+          <p:grpSpPr>
+            <a:xfrm>
+              <a:off x="535718" y="2761461"/>
+              <a:ext cx="4621315" cy="614802"/>
+              <a:chOff x="5635305" y="566442"/>
+              <a:chExt cx="3060000" cy="614802"/>
+            </a:xfrm>
+          </p:grpSpPr>
+          <p:sp>
+            <p:nvSpPr>
+              <p:cNvPr id="97" name="직사각형 96"/>
+              <p:cNvSpPr/>
+              <p:nvPr/>
+            </p:nvSpPr>
+            <p:spPr>
+              <a:xfrm>
+                <a:off x="5635305" y="566442"/>
+                <a:ext cx="3060000" cy="614802"/>
+              </a:xfrm>
+              <a:prstGeom prst="rect">
+                <a:avLst/>
+              </a:prstGeom>
+              <a:solidFill>
+                <a:schemeClr val="accent1">
+                  <a:lumMod val="40000"/>
+                  <a:lumOff val="60000"/>
+                </a:schemeClr>
+              </a:solidFill>
+              <a:ln w="9525">
+                <a:solidFill>
+                  <a:schemeClr val="tx1"/>
+                </a:solidFill>
+              </a:ln>
+            </p:spPr>
+            <p:style>
+              <a:lnRef idx="2">
+                <a:schemeClr val="accent1">
+                  <a:shade val="50000"/>
+                </a:schemeClr>
+              </a:lnRef>
+              <a:fillRef idx="1">
+                <a:schemeClr val="accent1"/>
+              </a:fillRef>
+              <a:effectRef idx="0">
+                <a:schemeClr val="accent1"/>
+              </a:effectRef>
+              <a:fontRef idx="minor">
+                <a:schemeClr val="lt1"/>
+              </a:fontRef>
+            </p:style>
+            <p:txBody>
+              <a:bodyPr rtlCol="0" anchor="t" anchorCtr="0"/>
+              <a:lstStyle/>
+              <a:p>
+                <a:pPr algn="ctr"/>
+                <a:r>
+                  <a:rPr lang="en-US" altLang="ko-KR" sz="1400" b="1" dirty="0" smtClean="0">
+                    <a:solidFill>
+                      <a:schemeClr val="tx1"/>
+                    </a:solidFill>
+                  </a:rPr>
+                  <a:t>Control</a:t>
+                </a:r>
+                <a:endParaRPr lang="ko-KR" altLang="en-US" sz="1400" b="1" dirty="0">
+                  <a:solidFill>
+                    <a:schemeClr val="tx1"/>
+                  </a:solidFill>
+                </a:endParaRPr>
+              </a:p>
+            </p:txBody>
+          </p:sp>
+          <p:sp>
+            <p:nvSpPr>
+              <p:cNvPr id="98" name="모서리가 둥근 직사각형 97"/>
+              <p:cNvSpPr/>
+              <p:nvPr/>
+            </p:nvSpPr>
+            <p:spPr>
+              <a:xfrm>
+                <a:off x="5725306" y="898339"/>
+                <a:ext cx="900000" cy="216000"/>
+              </a:xfrm>
+              <a:prstGeom prst="roundRect">
+                <a:avLst/>
+              </a:prstGeom>
+              <a:noFill/>
+              <a:ln w="9525">
+                <a:solidFill>
+                  <a:schemeClr val="tx1"/>
+                </a:solidFill>
+              </a:ln>
+            </p:spPr>
+            <p:style>
+              <a:lnRef idx="2">
+                <a:schemeClr val="accent1">
+                  <a:shade val="50000"/>
+                </a:schemeClr>
+              </a:lnRef>
+              <a:fillRef idx="1">
+                <a:schemeClr val="accent1"/>
+              </a:fillRef>
+              <a:effectRef idx="0">
+                <a:schemeClr val="accent1"/>
+              </a:effectRef>
+              <a:fontRef idx="minor">
+                <a:schemeClr val="lt1"/>
+              </a:fontRef>
+            </p:style>
+            <p:txBody>
+              <a:bodyPr rtlCol="0" anchor="ctr"/>
+              <a:lstStyle/>
+              <a:p>
+                <a:pPr algn="ctr"/>
+                <a:r>
+                  <a:rPr lang="en-US" altLang="ko-KR" sz="1200" dirty="0" smtClean="0">
+                    <a:solidFill>
+                      <a:schemeClr val="tx1"/>
+                    </a:solidFill>
+                  </a:rPr>
+                  <a:t>Menu</a:t>
+                </a:r>
+                <a:endParaRPr lang="ko-KR" altLang="en-US" dirty="0"/>
+              </a:p>
+            </p:txBody>
+          </p:sp>
+          <p:sp>
+            <p:nvSpPr>
+              <p:cNvPr id="99" name="모서리가 둥근 직사각형 98"/>
+              <p:cNvSpPr/>
+              <p:nvPr/>
+            </p:nvSpPr>
+            <p:spPr>
+              <a:xfrm>
+                <a:off x="6715304" y="889164"/>
+                <a:ext cx="900000" cy="216000"/>
+              </a:xfrm>
+              <a:prstGeom prst="roundRect">
+                <a:avLst/>
+              </a:prstGeom>
+              <a:noFill/>
+              <a:ln w="9525">
+                <a:solidFill>
+                  <a:schemeClr val="tx1"/>
+                </a:solidFill>
+              </a:ln>
+            </p:spPr>
+            <p:style>
+              <a:lnRef idx="2">
+                <a:schemeClr val="accent1">
+                  <a:shade val="50000"/>
+                </a:schemeClr>
+              </a:lnRef>
+              <a:fillRef idx="1">
+                <a:schemeClr val="accent1"/>
+              </a:fillRef>
+              <a:effectRef idx="0">
+                <a:schemeClr val="accent1"/>
+              </a:effectRef>
+              <a:fontRef idx="minor">
+                <a:schemeClr val="lt1"/>
+              </a:fontRef>
+            </p:style>
+            <p:txBody>
+              <a:bodyPr rtlCol="0" anchor="ctr"/>
+              <a:lstStyle/>
+              <a:p>
+                <a:pPr algn="ctr"/>
+                <a:r>
+                  <a:rPr lang="en-US" altLang="ko-KR" sz="1200" dirty="0" smtClean="0">
+                    <a:solidFill>
+                      <a:schemeClr val="tx1"/>
+                    </a:solidFill>
+                  </a:rPr>
+                  <a:t>Center</a:t>
+                </a:r>
+                <a:endParaRPr lang="ko-KR" altLang="en-US" dirty="0"/>
+              </a:p>
+            </p:txBody>
+          </p:sp>
+          <p:sp>
+            <p:nvSpPr>
+              <p:cNvPr id="100" name="모서리가 둥근 직사각형 99"/>
+              <p:cNvSpPr/>
+              <p:nvPr/>
+            </p:nvSpPr>
+            <p:spPr>
+              <a:xfrm>
+                <a:off x="7705302" y="898339"/>
+                <a:ext cx="900000" cy="216000"/>
+              </a:xfrm>
+              <a:prstGeom prst="roundRect">
+                <a:avLst/>
+              </a:prstGeom>
+              <a:noFill/>
+              <a:ln w="9525">
+                <a:solidFill>
+                  <a:schemeClr val="tx1"/>
+                </a:solidFill>
+              </a:ln>
+            </p:spPr>
+            <p:style>
+              <a:lnRef idx="2">
+                <a:schemeClr val="accent1">
+                  <a:shade val="50000"/>
+                </a:schemeClr>
+              </a:lnRef>
+              <a:fillRef idx="1">
+                <a:schemeClr val="accent1"/>
+              </a:fillRef>
+              <a:effectRef idx="0">
+                <a:schemeClr val="accent1"/>
+              </a:effectRef>
+              <a:fontRef idx="minor">
+                <a:schemeClr val="lt1"/>
+              </a:fontRef>
+            </p:style>
+            <p:txBody>
+              <a:bodyPr rtlCol="0" anchor="ctr"/>
+              <a:lstStyle/>
+              <a:p>
+                <a:pPr algn="ctr"/>
+                <a:r>
+                  <a:rPr lang="en-US" altLang="ko-KR" sz="1200" dirty="0" smtClean="0">
+                    <a:solidFill>
+                      <a:schemeClr val="tx1"/>
+                    </a:solidFill>
+                  </a:rPr>
+                  <a:t>Excel</a:t>
+                </a:r>
+                <a:endParaRPr lang="ko-KR" altLang="en-US" dirty="0"/>
+              </a:p>
+            </p:txBody>
+          </p:sp>
+        </p:grpSp>
+        <p:grpSp>
+          <p:nvGrpSpPr>
+            <p:cNvPr id="84" name="그룹 83"/>
+            <p:cNvGrpSpPr/>
+            <p:nvPr/>
+          </p:nvGrpSpPr>
+          <p:grpSpPr>
+            <a:xfrm>
+              <a:off x="535719" y="2056694"/>
+              <a:ext cx="4621314" cy="614802"/>
+              <a:chOff x="5635305" y="566442"/>
+              <a:chExt cx="3060000" cy="614802"/>
+            </a:xfrm>
+          </p:grpSpPr>
+          <p:sp>
+            <p:nvSpPr>
+              <p:cNvPr id="93" name="직사각형 92"/>
+              <p:cNvSpPr/>
+              <p:nvPr/>
+            </p:nvSpPr>
+            <p:spPr>
+              <a:xfrm>
+                <a:off x="5635305" y="566442"/>
+                <a:ext cx="3060000" cy="614802"/>
+              </a:xfrm>
+              <a:prstGeom prst="rect">
+                <a:avLst/>
+              </a:prstGeom>
+              <a:solidFill>
+                <a:schemeClr val="accent1">
+                  <a:lumMod val="40000"/>
+                  <a:lumOff val="60000"/>
+                </a:schemeClr>
+              </a:solidFill>
+              <a:ln w="9525">
+                <a:solidFill>
+                  <a:schemeClr val="tx1"/>
+                </a:solidFill>
+              </a:ln>
+            </p:spPr>
+            <p:style>
+              <a:lnRef idx="2">
+                <a:schemeClr val="accent1">
+                  <a:shade val="50000"/>
+                </a:schemeClr>
+              </a:lnRef>
+              <a:fillRef idx="1">
+                <a:schemeClr val="accent1"/>
+              </a:fillRef>
+              <a:effectRef idx="0">
+                <a:schemeClr val="accent1"/>
+              </a:effectRef>
+              <a:fontRef idx="minor">
+                <a:schemeClr val="lt1"/>
+              </a:fontRef>
+            </p:style>
+            <p:txBody>
+              <a:bodyPr rtlCol="0" anchor="t" anchorCtr="0"/>
+              <a:lstStyle/>
+              <a:p>
+                <a:pPr algn="ctr"/>
+                <a:r>
+                  <a:rPr lang="en-US" altLang="ko-KR" sz="1400" b="1" dirty="0" smtClean="0">
+                    <a:solidFill>
+                      <a:schemeClr val="tx1"/>
+                    </a:solidFill>
+                  </a:rPr>
+                  <a:t>Handler</a:t>
+                </a:r>
+                <a:endParaRPr lang="ko-KR" altLang="en-US" sz="1400" b="1" dirty="0">
+                  <a:solidFill>
+                    <a:schemeClr val="tx1"/>
+                  </a:solidFill>
+                </a:endParaRPr>
+              </a:p>
+            </p:txBody>
+          </p:sp>
+          <p:sp>
+            <p:nvSpPr>
+              <p:cNvPr id="94" name="모서리가 둥근 직사각형 93"/>
+              <p:cNvSpPr/>
+              <p:nvPr/>
+            </p:nvSpPr>
+            <p:spPr>
+              <a:xfrm>
+                <a:off x="5725306" y="898339"/>
+                <a:ext cx="900000" cy="216000"/>
+              </a:xfrm>
+              <a:prstGeom prst="roundRect">
+                <a:avLst/>
+              </a:prstGeom>
+              <a:noFill/>
+              <a:ln w="9525">
+                <a:solidFill>
+                  <a:schemeClr val="tx1"/>
+                </a:solidFill>
+              </a:ln>
+            </p:spPr>
+            <p:style>
+              <a:lnRef idx="2">
+                <a:schemeClr val="accent1">
+                  <a:shade val="50000"/>
+                </a:schemeClr>
+              </a:lnRef>
+              <a:fillRef idx="1">
+                <a:schemeClr val="accent1"/>
+              </a:fillRef>
+              <a:effectRef idx="0">
+                <a:schemeClr val="accent1"/>
+              </a:effectRef>
+              <a:fontRef idx="minor">
+                <a:schemeClr val="lt1"/>
+              </a:fontRef>
+            </p:style>
+            <p:txBody>
+              <a:bodyPr rtlCol="0" anchor="ctr"/>
+              <a:lstStyle/>
+              <a:p>
+                <a:pPr algn="ctr"/>
+                <a:r>
+                  <a:rPr lang="en-US" altLang="ko-KR" sz="1200" dirty="0" smtClean="0">
+                    <a:solidFill>
+                      <a:schemeClr val="tx1"/>
+                    </a:solidFill>
+                  </a:rPr>
+                  <a:t>Menu</a:t>
+                </a:r>
+                <a:endParaRPr lang="ko-KR" altLang="en-US" dirty="0"/>
+              </a:p>
+            </p:txBody>
+          </p:sp>
+          <p:sp>
+            <p:nvSpPr>
+              <p:cNvPr id="95" name="모서리가 둥근 직사각형 94"/>
+              <p:cNvSpPr/>
+              <p:nvPr/>
+            </p:nvSpPr>
+            <p:spPr>
+              <a:xfrm>
+                <a:off x="6715304" y="889164"/>
+                <a:ext cx="900000" cy="216000"/>
+              </a:xfrm>
+              <a:prstGeom prst="roundRect">
+                <a:avLst/>
+              </a:prstGeom>
+              <a:noFill/>
+              <a:ln w="9525">
+                <a:solidFill>
+                  <a:schemeClr val="tx1"/>
+                </a:solidFill>
+              </a:ln>
+            </p:spPr>
+            <p:style>
+              <a:lnRef idx="2">
+                <a:schemeClr val="accent1">
+                  <a:shade val="50000"/>
+                </a:schemeClr>
+              </a:lnRef>
+              <a:fillRef idx="1">
+                <a:schemeClr val="accent1"/>
+              </a:fillRef>
+              <a:effectRef idx="0">
+                <a:schemeClr val="accent1"/>
+              </a:effectRef>
+              <a:fontRef idx="minor">
+                <a:schemeClr val="lt1"/>
+              </a:fontRef>
+            </p:style>
+            <p:txBody>
+              <a:bodyPr rtlCol="0" anchor="ctr"/>
+              <a:lstStyle/>
+              <a:p>
+                <a:pPr algn="ctr"/>
+                <a:r>
+                  <a:rPr lang="en-US" altLang="ko-KR" sz="1200" dirty="0" smtClean="0">
+                    <a:solidFill>
+                      <a:schemeClr val="tx1"/>
+                    </a:solidFill>
+                  </a:rPr>
+                  <a:t>Center</a:t>
+                </a:r>
+                <a:endParaRPr lang="ko-KR" altLang="en-US" dirty="0"/>
+              </a:p>
+            </p:txBody>
+          </p:sp>
+          <p:sp>
+            <p:nvSpPr>
+              <p:cNvPr id="96" name="모서리가 둥근 직사각형 95"/>
+              <p:cNvSpPr/>
+              <p:nvPr/>
+            </p:nvSpPr>
+            <p:spPr>
+              <a:xfrm>
+                <a:off x="7705302" y="898339"/>
+                <a:ext cx="900000" cy="216000"/>
+              </a:xfrm>
+              <a:prstGeom prst="roundRect">
+                <a:avLst/>
+              </a:prstGeom>
+              <a:noFill/>
+              <a:ln w="9525">
+                <a:solidFill>
+                  <a:schemeClr val="tx1"/>
+                </a:solidFill>
+              </a:ln>
+            </p:spPr>
+            <p:style>
+              <a:lnRef idx="2">
+                <a:schemeClr val="accent1">
+                  <a:shade val="50000"/>
+                </a:schemeClr>
+              </a:lnRef>
+              <a:fillRef idx="1">
+                <a:schemeClr val="accent1"/>
+              </a:fillRef>
+              <a:effectRef idx="0">
+                <a:schemeClr val="accent1"/>
+              </a:effectRef>
+              <a:fontRef idx="minor">
+                <a:schemeClr val="lt1"/>
+              </a:fontRef>
+            </p:style>
+            <p:txBody>
+              <a:bodyPr rtlCol="0" anchor="ctr"/>
+              <a:lstStyle/>
+              <a:p>
+                <a:pPr algn="ctr"/>
+                <a:r>
+                  <a:rPr lang="en-US" altLang="ko-KR" sz="1200" dirty="0" smtClean="0">
+                    <a:solidFill>
+                      <a:schemeClr val="tx1"/>
+                    </a:solidFill>
+                  </a:rPr>
+                  <a:t>Excel</a:t>
+                </a:r>
+                <a:endParaRPr lang="ko-KR" altLang="en-US" dirty="0"/>
+              </a:p>
+            </p:txBody>
+          </p:sp>
+        </p:grpSp>
+        <p:grpSp>
+          <p:nvGrpSpPr>
+            <p:cNvPr id="85" name="그룹 84"/>
+            <p:cNvGrpSpPr/>
+            <p:nvPr/>
+          </p:nvGrpSpPr>
+          <p:grpSpPr>
+            <a:xfrm>
+              <a:off x="535719" y="1359703"/>
+              <a:ext cx="4621314" cy="614802"/>
+              <a:chOff x="5635305" y="566442"/>
+              <a:chExt cx="3060000" cy="614802"/>
+            </a:xfrm>
+          </p:grpSpPr>
+          <p:sp>
+            <p:nvSpPr>
+              <p:cNvPr id="89" name="직사각형 88"/>
+              <p:cNvSpPr/>
+              <p:nvPr/>
+            </p:nvSpPr>
+            <p:spPr>
+              <a:xfrm>
+                <a:off x="5635305" y="566442"/>
+                <a:ext cx="3060000" cy="614802"/>
+              </a:xfrm>
+              <a:prstGeom prst="rect">
+                <a:avLst/>
+              </a:prstGeom>
+              <a:solidFill>
+                <a:schemeClr val="accent1">
+                  <a:lumMod val="40000"/>
+                  <a:lumOff val="60000"/>
+                </a:schemeClr>
+              </a:solidFill>
+              <a:ln w="9525">
+                <a:solidFill>
+                  <a:schemeClr val="tx1"/>
+                </a:solidFill>
+              </a:ln>
+            </p:spPr>
+            <p:style>
+              <a:lnRef idx="2">
+                <a:schemeClr val="accent1">
+                  <a:shade val="50000"/>
+                </a:schemeClr>
+              </a:lnRef>
+              <a:fillRef idx="1">
+                <a:schemeClr val="accent1"/>
+              </a:fillRef>
+              <a:effectRef idx="0">
+                <a:schemeClr val="accent1"/>
+              </a:effectRef>
+              <a:fontRef idx="minor">
+                <a:schemeClr val="lt1"/>
+              </a:fontRef>
+            </p:style>
+            <p:txBody>
+              <a:bodyPr rtlCol="0" anchor="t" anchorCtr="0"/>
+              <a:lstStyle/>
+              <a:p>
+                <a:pPr algn="ctr"/>
+                <a:r>
+                  <a:rPr lang="en-US" altLang="ko-KR" sz="1400" b="1" dirty="0" err="1" smtClean="0">
+                    <a:solidFill>
+                      <a:schemeClr val="tx1"/>
+                    </a:solidFill>
+                  </a:rPr>
+                  <a:t>Gui</a:t>
+                </a:r>
+                <a:endParaRPr lang="ko-KR" altLang="en-US" sz="1400" b="1" dirty="0">
+                  <a:solidFill>
+                    <a:schemeClr val="tx1"/>
+                  </a:solidFill>
+                </a:endParaRPr>
+              </a:p>
+            </p:txBody>
+          </p:sp>
+          <p:sp>
+            <p:nvSpPr>
+              <p:cNvPr id="90" name="모서리가 둥근 직사각형 89"/>
+              <p:cNvSpPr/>
+              <p:nvPr/>
+            </p:nvSpPr>
+            <p:spPr>
+              <a:xfrm>
+                <a:off x="5725306" y="898339"/>
+                <a:ext cx="900000" cy="216000"/>
+              </a:xfrm>
+              <a:prstGeom prst="roundRect">
+                <a:avLst/>
+              </a:prstGeom>
+              <a:noFill/>
+              <a:ln w="9525">
+                <a:solidFill>
+                  <a:schemeClr val="tx1"/>
+                </a:solidFill>
+              </a:ln>
+            </p:spPr>
+            <p:style>
+              <a:lnRef idx="2">
+                <a:schemeClr val="accent1">
+                  <a:shade val="50000"/>
+                </a:schemeClr>
+              </a:lnRef>
+              <a:fillRef idx="1">
+                <a:schemeClr val="accent1"/>
+              </a:fillRef>
+              <a:effectRef idx="0">
+                <a:schemeClr val="accent1"/>
+              </a:effectRef>
+              <a:fontRef idx="minor">
+                <a:schemeClr val="lt1"/>
+              </a:fontRef>
+            </p:style>
+            <p:txBody>
+              <a:bodyPr rtlCol="0" anchor="ctr"/>
+              <a:lstStyle/>
+              <a:p>
+                <a:pPr algn="ctr"/>
+                <a:r>
+                  <a:rPr lang="en-US" altLang="ko-KR" sz="1200" dirty="0" smtClean="0">
+                    <a:solidFill>
+                      <a:schemeClr val="tx1"/>
+                    </a:solidFill>
+                  </a:rPr>
+                  <a:t>Menu</a:t>
+                </a:r>
+                <a:endParaRPr lang="ko-KR" altLang="en-US" dirty="0"/>
+              </a:p>
+            </p:txBody>
+          </p:sp>
+          <p:sp>
+            <p:nvSpPr>
+              <p:cNvPr id="91" name="모서리가 둥근 직사각형 90"/>
+              <p:cNvSpPr/>
+              <p:nvPr/>
+            </p:nvSpPr>
+            <p:spPr>
+              <a:xfrm>
+                <a:off x="6715304" y="889164"/>
+                <a:ext cx="900000" cy="216000"/>
+              </a:xfrm>
+              <a:prstGeom prst="roundRect">
+                <a:avLst/>
+              </a:prstGeom>
+              <a:noFill/>
+              <a:ln w="9525">
+                <a:solidFill>
+                  <a:schemeClr val="tx1"/>
+                </a:solidFill>
+              </a:ln>
+            </p:spPr>
+            <p:style>
+              <a:lnRef idx="2">
+                <a:schemeClr val="accent1">
+                  <a:shade val="50000"/>
+                </a:schemeClr>
+              </a:lnRef>
+              <a:fillRef idx="1">
+                <a:schemeClr val="accent1"/>
+              </a:fillRef>
+              <a:effectRef idx="0">
+                <a:schemeClr val="accent1"/>
+              </a:effectRef>
+              <a:fontRef idx="minor">
+                <a:schemeClr val="lt1"/>
+              </a:fontRef>
+            </p:style>
+            <p:txBody>
+              <a:bodyPr rtlCol="0" anchor="ctr"/>
+              <a:lstStyle/>
+              <a:p>
+                <a:pPr algn="ctr"/>
+                <a:r>
+                  <a:rPr lang="en-US" altLang="ko-KR" sz="1200" dirty="0" smtClean="0">
+                    <a:solidFill>
+                      <a:schemeClr val="tx1"/>
+                    </a:solidFill>
+                  </a:rPr>
+                  <a:t>Center</a:t>
+                </a:r>
+                <a:endParaRPr lang="ko-KR" altLang="en-US" dirty="0"/>
+              </a:p>
+            </p:txBody>
+          </p:sp>
+          <p:sp>
+            <p:nvSpPr>
+              <p:cNvPr id="92" name="모서리가 둥근 직사각형 91"/>
+              <p:cNvSpPr/>
+              <p:nvPr/>
+            </p:nvSpPr>
+            <p:spPr>
+              <a:xfrm>
+                <a:off x="7705302" y="898339"/>
+                <a:ext cx="900000" cy="216000"/>
+              </a:xfrm>
+              <a:prstGeom prst="roundRect">
+                <a:avLst/>
+              </a:prstGeom>
+              <a:noFill/>
+              <a:ln w="9525">
+                <a:solidFill>
+                  <a:schemeClr val="tx1"/>
+                </a:solidFill>
+              </a:ln>
+            </p:spPr>
+            <p:style>
+              <a:lnRef idx="2">
+                <a:schemeClr val="accent1">
+                  <a:shade val="50000"/>
+                </a:schemeClr>
+              </a:lnRef>
+              <a:fillRef idx="1">
+                <a:schemeClr val="accent1"/>
+              </a:fillRef>
+              <a:effectRef idx="0">
+                <a:schemeClr val="accent1"/>
+              </a:effectRef>
+              <a:fontRef idx="minor">
+                <a:schemeClr val="lt1"/>
+              </a:fontRef>
+            </p:style>
+            <p:txBody>
+              <a:bodyPr rtlCol="0" anchor="ctr"/>
+              <a:lstStyle/>
+              <a:p>
+                <a:pPr algn="ctr"/>
+                <a:r>
+                  <a:rPr lang="en-US" altLang="ko-KR" sz="1200" dirty="0" smtClean="0">
+                    <a:solidFill>
+                      <a:schemeClr val="tx1"/>
+                    </a:solidFill>
+                  </a:rPr>
+                  <a:t>Excel</a:t>
+                </a:r>
+                <a:endParaRPr lang="ko-KR" altLang="en-US" dirty="0"/>
+              </a:p>
+            </p:txBody>
+          </p:sp>
+        </p:grpSp>
+        <p:sp>
+          <p:nvSpPr>
+            <p:cNvPr id="86" name="직사각형 85"/>
+            <p:cNvSpPr/>
+            <p:nvPr/>
+          </p:nvSpPr>
+          <p:spPr>
+            <a:xfrm>
+              <a:off x="2915068" y="3465436"/>
+              <a:ext cx="676184" cy="432000"/>
+            </a:xfrm>
+            <a:prstGeom prst="rect">
+              <a:avLst/>
+            </a:prstGeom>
+            <a:solidFill>
+              <a:schemeClr val="accent6">
+                <a:lumMod val="20000"/>
+                <a:lumOff val="80000"/>
+              </a:schemeClr>
+            </a:solidFill>
+            <a:ln w="9525">
+              <a:solidFill>
+                <a:schemeClr val="tx1"/>
+              </a:solidFill>
+            </a:ln>
+          </p:spPr>
+          <p:style>
+            <a:lnRef idx="2">
+              <a:schemeClr val="accent1">
+                <a:shade val="50000"/>
+              </a:schemeClr>
+            </a:lnRef>
+            <a:fillRef idx="1">
+              <a:schemeClr val="accent1"/>
+            </a:fillRef>
+            <a:effectRef idx="0">
+              <a:schemeClr val="accent1"/>
+            </a:effectRef>
+            <a:fontRef idx="minor">
+              <a:schemeClr val="lt1"/>
+            </a:fontRef>
+          </p:style>
+          <p:txBody>
+            <a:bodyPr rtlCol="0" anchor="ctr" anchorCtr="0"/>
+            <a:lstStyle/>
+            <a:p>
+              <a:pPr algn="ctr"/>
+              <a:r>
+                <a:rPr lang="en-US" altLang="ko-KR" sz="1100" dirty="0" smtClean="0">
+                  <a:solidFill>
+                    <a:schemeClr val="tx1"/>
+                  </a:solidFill>
+                </a:rPr>
+                <a:t>Popup</a:t>
+              </a:r>
+              <a:endParaRPr lang="ko-KR" altLang="en-US" sz="1100" dirty="0">
+                <a:solidFill>
+                  <a:schemeClr val="tx1"/>
+                </a:solidFill>
+              </a:endParaRPr>
+            </a:p>
+          </p:txBody>
+        </p:sp>
+        <p:sp>
+          <p:nvSpPr>
+            <p:cNvPr id="87" name="직사각형 86"/>
+            <p:cNvSpPr/>
+            <p:nvPr/>
+          </p:nvSpPr>
+          <p:spPr>
+            <a:xfrm>
+              <a:off x="3697959" y="3458452"/>
+              <a:ext cx="676184" cy="432000"/>
+            </a:xfrm>
+            <a:prstGeom prst="rect">
+              <a:avLst/>
+            </a:prstGeom>
+            <a:solidFill>
+              <a:schemeClr val="accent6">
+                <a:lumMod val="20000"/>
+                <a:lumOff val="80000"/>
+              </a:schemeClr>
+            </a:solidFill>
+            <a:ln w="9525">
+              <a:solidFill>
+                <a:schemeClr val="tx1"/>
+              </a:solidFill>
+            </a:ln>
+          </p:spPr>
+          <p:style>
+            <a:lnRef idx="2">
+              <a:schemeClr val="accent1">
+                <a:shade val="50000"/>
+              </a:schemeClr>
+            </a:lnRef>
+            <a:fillRef idx="1">
+              <a:schemeClr val="accent1"/>
+            </a:fillRef>
+            <a:effectRef idx="0">
+              <a:schemeClr val="accent1"/>
+            </a:effectRef>
+            <a:fontRef idx="minor">
+              <a:schemeClr val="lt1"/>
+            </a:fontRef>
+          </p:style>
+          <p:txBody>
+            <a:bodyPr rtlCol="0" anchor="ctr" anchorCtr="0"/>
+            <a:lstStyle/>
+            <a:p>
+              <a:pPr algn="ctr"/>
+              <a:r>
+                <a:rPr lang="en-US" altLang="ko-KR" sz="1100" dirty="0" smtClean="0">
+                  <a:solidFill>
+                    <a:schemeClr val="tx1"/>
+                  </a:solidFill>
+                </a:rPr>
+                <a:t>Dialog</a:t>
+              </a:r>
+              <a:endParaRPr lang="ko-KR" altLang="en-US" sz="1100" dirty="0">
+                <a:solidFill>
+                  <a:schemeClr val="tx1"/>
+                </a:solidFill>
+              </a:endParaRPr>
+            </a:p>
+          </p:txBody>
+        </p:sp>
+        <p:sp>
+          <p:nvSpPr>
+            <p:cNvPr id="88" name="직사각형 87"/>
+            <p:cNvSpPr/>
+            <p:nvPr/>
+          </p:nvSpPr>
+          <p:spPr>
+            <a:xfrm>
+              <a:off x="4480850" y="3465436"/>
+              <a:ext cx="676184" cy="432000"/>
+            </a:xfrm>
+            <a:prstGeom prst="rect">
+              <a:avLst/>
+            </a:prstGeom>
+            <a:solidFill>
+              <a:schemeClr val="accent6">
+                <a:lumMod val="20000"/>
+                <a:lumOff val="80000"/>
+              </a:schemeClr>
+            </a:solidFill>
+            <a:ln w="9525">
+              <a:solidFill>
+                <a:schemeClr val="tx1"/>
+              </a:solidFill>
+            </a:ln>
+          </p:spPr>
+          <p:style>
+            <a:lnRef idx="2">
+              <a:schemeClr val="accent1">
+                <a:shade val="50000"/>
+              </a:schemeClr>
+            </a:lnRef>
+            <a:fillRef idx="1">
+              <a:schemeClr val="accent1"/>
+            </a:fillRef>
+            <a:effectRef idx="0">
+              <a:schemeClr val="accent1"/>
+            </a:effectRef>
+            <a:fontRef idx="minor">
+              <a:schemeClr val="lt1"/>
+            </a:fontRef>
+          </p:style>
+          <p:txBody>
+            <a:bodyPr rtlCol="0" anchor="ctr" anchorCtr="0"/>
+            <a:lstStyle/>
+            <a:p>
+              <a:pPr algn="ctr"/>
+              <a:r>
+                <a:rPr lang="en-US" altLang="ko-KR" sz="1100" dirty="0" smtClean="0">
+                  <a:solidFill>
+                    <a:schemeClr val="tx1"/>
+                  </a:solidFill>
+                </a:rPr>
+                <a:t>Test</a:t>
+              </a:r>
+              <a:br>
+                <a:rPr lang="en-US" altLang="ko-KR" sz="1100" dirty="0" smtClean="0">
+                  <a:solidFill>
+                    <a:schemeClr val="tx1"/>
+                  </a:solidFill>
+                </a:rPr>
+              </a:br>
+              <a:r>
+                <a:rPr lang="en-US" altLang="ko-KR" sz="1100" dirty="0" smtClean="0">
+                  <a:solidFill>
+                    <a:schemeClr val="tx1"/>
+                  </a:solidFill>
+                </a:rPr>
+                <a:t>Case</a:t>
+              </a:r>
+              <a:endParaRPr lang="ko-KR" altLang="en-US" sz="1100" dirty="0">
+                <a:solidFill>
+                  <a:schemeClr val="tx1"/>
+                </a:solidFill>
+              </a:endParaRPr>
+            </a:p>
+          </p:txBody>
+        </p:sp>
+      </p:grpSp>
+      <p:sp>
+        <p:nvSpPr>
+          <p:cNvPr id="102" name="TextBox 101"/>
+          <p:cNvSpPr txBox="1"/>
+          <p:nvPr/>
+        </p:nvSpPr>
+        <p:spPr>
+          <a:xfrm>
+            <a:off x="6505663" y="1223226"/>
+            <a:ext cx="4738985" cy="738664"/>
+          </a:xfrm>
+          <a:prstGeom prst="rect">
+            <a:avLst/>
+          </a:prstGeom>
+          <a:noFill/>
+        </p:spPr>
+        <p:txBody>
+          <a:bodyPr wrap="square" rtlCol="0">
+            <a:spAutoFit/>
+          </a:bodyPr>
+          <a:lstStyle/>
+          <a:p>
+            <a:pPr algn="ctr"/>
+            <a:r>
+              <a:rPr lang="en-US" altLang="ko-KR" sz="2400" b="1" dirty="0" smtClean="0"/>
+              <a:t>TC Creator</a:t>
+            </a:r>
+          </a:p>
+          <a:p>
+            <a:pPr algn="ctr"/>
+            <a:r>
+              <a:rPr lang="en-US" altLang="ko-KR" dirty="0" smtClean="0"/>
+              <a:t>Software </a:t>
+            </a:r>
+            <a:r>
+              <a:rPr lang="en-US" altLang="ko-KR" dirty="0"/>
+              <a:t>Architecture</a:t>
+            </a:r>
+            <a:endParaRPr lang="ko-KR" altLang="en-US" dirty="0"/>
+          </a:p>
+        </p:txBody>
+      </p:sp>
+      <p:grpSp>
+        <p:nvGrpSpPr>
+          <p:cNvPr id="103" name="그룹 102"/>
+          <p:cNvGrpSpPr/>
+          <p:nvPr/>
+        </p:nvGrpSpPr>
+        <p:grpSpPr>
+          <a:xfrm>
+            <a:off x="6505161" y="1979371"/>
+            <a:ext cx="4739487" cy="3353957"/>
+            <a:chOff x="623345" y="1092337"/>
+            <a:chExt cx="4739487" cy="3353957"/>
+          </a:xfrm>
+        </p:grpSpPr>
+        <p:sp>
+          <p:nvSpPr>
+            <p:cNvPr id="104" name="직사각형 103"/>
+            <p:cNvSpPr/>
+            <p:nvPr/>
+          </p:nvSpPr>
+          <p:spPr>
+            <a:xfrm>
+              <a:off x="623345" y="1092337"/>
+              <a:ext cx="4739487" cy="2748342"/>
+            </a:xfrm>
+            <a:prstGeom prst="rect">
+              <a:avLst/>
+            </a:prstGeom>
+            <a:solidFill>
+              <a:schemeClr val="bg1">
+                <a:lumMod val="95000"/>
+              </a:schemeClr>
+            </a:solidFill>
+            <a:ln w="9525">
+              <a:solidFill>
+                <a:schemeClr val="tx1"/>
+              </a:solidFill>
+            </a:ln>
+          </p:spPr>
+          <p:style>
+            <a:lnRef idx="2">
+              <a:schemeClr val="accent1">
+                <a:shade val="50000"/>
+              </a:schemeClr>
+            </a:lnRef>
+            <a:fillRef idx="1">
+              <a:schemeClr val="accent1"/>
+            </a:fillRef>
+            <a:effectRef idx="0">
+              <a:schemeClr val="accent1"/>
+            </a:effectRef>
+            <a:fontRef idx="minor">
+              <a:schemeClr val="lt1"/>
+            </a:fontRef>
+          </p:style>
+          <p:txBody>
+            <a:bodyPr rtlCol="0" anchor="t" anchorCtr="0"/>
+            <a:lstStyle/>
+            <a:p>
+              <a:r>
+                <a:rPr lang="en-US" altLang="ko-KR" sz="1400" dirty="0" smtClean="0">
+                  <a:solidFill>
+                    <a:schemeClr val="tx1"/>
+                  </a:solidFill>
+                </a:rPr>
+                <a:t>TC Creator</a:t>
+              </a:r>
+              <a:endParaRPr lang="ko-KR" altLang="en-US" sz="1400" dirty="0">
+                <a:solidFill>
+                  <a:schemeClr val="tx1"/>
+                </a:solidFill>
+              </a:endParaRPr>
+            </a:p>
+          </p:txBody>
+        </p:sp>
+        <p:sp>
+          <p:nvSpPr>
+            <p:cNvPr id="105" name="모서리가 둥근 직사각형 104"/>
+            <p:cNvSpPr/>
+            <p:nvPr/>
+          </p:nvSpPr>
+          <p:spPr>
+            <a:xfrm>
+              <a:off x="1843473" y="1956101"/>
+              <a:ext cx="2246974" cy="1626724"/>
+            </a:xfrm>
+            <a:prstGeom prst="roundRect">
+              <a:avLst/>
+            </a:prstGeom>
+            <a:solidFill>
+              <a:schemeClr val="accent1">
+                <a:lumMod val="40000"/>
+                <a:lumOff val="60000"/>
+              </a:schemeClr>
+            </a:solidFill>
+            <a:ln w="9525">
+              <a:solidFill>
+                <a:schemeClr val="tx1"/>
+              </a:solidFill>
+            </a:ln>
+          </p:spPr>
+          <p:style>
+            <a:lnRef idx="2">
+              <a:schemeClr val="accent1">
+                <a:shade val="50000"/>
+              </a:schemeClr>
+            </a:lnRef>
+            <a:fillRef idx="1">
+              <a:schemeClr val="accent1"/>
+            </a:fillRef>
+            <a:effectRef idx="0">
+              <a:schemeClr val="accent1"/>
+            </a:effectRef>
+            <a:fontRef idx="minor">
+              <a:schemeClr val="lt1"/>
+            </a:fontRef>
+          </p:style>
+          <p:txBody>
+            <a:bodyPr rtlCol="0" anchor="t" anchorCtr="0"/>
+            <a:lstStyle/>
+            <a:p>
+              <a:r>
+                <a:rPr lang="en-US" altLang="ko-KR" sz="1200" dirty="0" smtClean="0">
+                  <a:solidFill>
+                    <a:schemeClr val="tx1"/>
+                  </a:solidFill>
+                </a:rPr>
+                <a:t>Control</a:t>
+              </a:r>
+              <a:endParaRPr lang="ko-KR" altLang="en-US" sz="1200" dirty="0">
+                <a:solidFill>
+                  <a:schemeClr val="tx1"/>
+                </a:solidFill>
+              </a:endParaRPr>
+            </a:p>
+          </p:txBody>
+        </p:sp>
+        <p:sp>
+          <p:nvSpPr>
+            <p:cNvPr id="106" name="모서리가 둥근 직사각형 105"/>
+            <p:cNvSpPr/>
+            <p:nvPr/>
+          </p:nvSpPr>
+          <p:spPr>
+            <a:xfrm>
+              <a:off x="2082188" y="2457364"/>
+              <a:ext cx="1920457" cy="1036288"/>
+            </a:xfrm>
+            <a:prstGeom prst="roundRect">
+              <a:avLst/>
+            </a:prstGeom>
+            <a:noFill/>
+            <a:ln w="9525">
+              <a:solidFill>
+                <a:schemeClr val="tx1"/>
+              </a:solidFill>
+            </a:ln>
+          </p:spPr>
+          <p:style>
+            <a:lnRef idx="2">
+              <a:schemeClr val="accent1">
+                <a:shade val="50000"/>
+              </a:schemeClr>
+            </a:lnRef>
+            <a:fillRef idx="1">
+              <a:schemeClr val="accent1"/>
+            </a:fillRef>
+            <a:effectRef idx="0">
+              <a:schemeClr val="accent1"/>
+            </a:effectRef>
+            <a:fontRef idx="minor">
+              <a:schemeClr val="lt1"/>
+            </a:fontRef>
+          </p:style>
+          <p:txBody>
+            <a:bodyPr rtlCol="0" anchor="t" anchorCtr="0"/>
+            <a:lstStyle/>
+            <a:p>
+              <a:r>
+                <a:rPr lang="en-US" altLang="ko-KR" sz="1200" dirty="0" smtClean="0">
+                  <a:solidFill>
+                    <a:schemeClr val="tx1"/>
+                  </a:solidFill>
+                </a:rPr>
+                <a:t>Hander</a:t>
+              </a:r>
+              <a:endParaRPr lang="ko-KR" altLang="en-US" sz="1200" dirty="0">
+                <a:solidFill>
+                  <a:schemeClr val="tx1"/>
+                </a:solidFill>
+              </a:endParaRPr>
+            </a:p>
+          </p:txBody>
+        </p:sp>
+        <p:sp>
+          <p:nvSpPr>
+            <p:cNvPr id="107" name="모서리가 둥근 직사각형 106"/>
+            <p:cNvSpPr/>
+            <p:nvPr/>
+          </p:nvSpPr>
+          <p:spPr>
+            <a:xfrm>
+              <a:off x="2333041" y="2924588"/>
+              <a:ext cx="1593404" cy="445996"/>
+            </a:xfrm>
+            <a:prstGeom prst="roundRect">
+              <a:avLst/>
+            </a:prstGeom>
+            <a:noFill/>
+            <a:ln w="9525">
+              <a:solidFill>
+                <a:schemeClr val="tx1"/>
+              </a:solidFill>
+            </a:ln>
+          </p:spPr>
+          <p:style>
+            <a:lnRef idx="2">
+              <a:schemeClr val="accent1">
+                <a:shade val="50000"/>
+              </a:schemeClr>
+            </a:lnRef>
+            <a:fillRef idx="1">
+              <a:schemeClr val="accent1"/>
+            </a:fillRef>
+            <a:effectRef idx="0">
+              <a:schemeClr val="accent1"/>
+            </a:effectRef>
+            <a:fontRef idx="minor">
+              <a:schemeClr val="lt1"/>
+            </a:fontRef>
+          </p:style>
+          <p:txBody>
+            <a:bodyPr rtlCol="0" anchor="t" anchorCtr="0"/>
+            <a:lstStyle/>
+            <a:p>
+              <a:r>
+                <a:rPr lang="en-US" altLang="ko-KR" sz="1200" dirty="0" err="1" smtClean="0">
+                  <a:solidFill>
+                    <a:schemeClr val="tx1"/>
+                  </a:solidFill>
+                </a:rPr>
+                <a:t>Gui</a:t>
+              </a:r>
+              <a:endParaRPr lang="ko-KR" altLang="en-US" sz="1200" dirty="0">
+                <a:solidFill>
+                  <a:schemeClr val="tx1"/>
+                </a:solidFill>
+              </a:endParaRPr>
+            </a:p>
+          </p:txBody>
+        </p:sp>
+        <p:sp>
+          <p:nvSpPr>
+            <p:cNvPr id="108" name="모서리가 둥근 직사각형 107"/>
+            <p:cNvSpPr/>
+            <p:nvPr/>
+          </p:nvSpPr>
+          <p:spPr>
+            <a:xfrm>
+              <a:off x="4255936" y="1917485"/>
+              <a:ext cx="936000" cy="468000"/>
+            </a:xfrm>
+            <a:prstGeom prst="roundRect">
+              <a:avLst/>
+            </a:prstGeom>
+            <a:solidFill>
+              <a:schemeClr val="accent6">
+                <a:lumMod val="20000"/>
+                <a:lumOff val="80000"/>
+              </a:schemeClr>
+            </a:solidFill>
+            <a:ln w="9525">
+              <a:solidFill>
+                <a:schemeClr val="tx1"/>
+              </a:solidFill>
+            </a:ln>
+          </p:spPr>
+          <p:style>
+            <a:lnRef idx="2">
+              <a:schemeClr val="accent1">
+                <a:shade val="50000"/>
+              </a:schemeClr>
+            </a:lnRef>
+            <a:fillRef idx="1">
+              <a:schemeClr val="accent1"/>
+            </a:fillRef>
+            <a:effectRef idx="0">
+              <a:schemeClr val="accent1"/>
+            </a:effectRef>
+            <a:fontRef idx="minor">
+              <a:schemeClr val="lt1"/>
+            </a:fontRef>
+          </p:style>
+          <p:txBody>
+            <a:bodyPr rtlCol="0" anchor="ctr" anchorCtr="0"/>
+            <a:lstStyle/>
+            <a:p>
+              <a:pPr algn="ctr"/>
+              <a:r>
+                <a:rPr lang="en-US" altLang="ko-KR" sz="1200" dirty="0" err="1" smtClean="0">
+                  <a:solidFill>
+                    <a:schemeClr val="tx1"/>
+                  </a:solidFill>
+                </a:rPr>
+                <a:t>Config</a:t>
+              </a:r>
+              <a:r>
+                <a:rPr lang="en-US" altLang="ko-KR" sz="1200" dirty="0" smtClean="0">
+                  <a:solidFill>
+                    <a:schemeClr val="tx1"/>
+                  </a:solidFill>
+                </a:rPr>
+                <a:t> Setting</a:t>
+              </a:r>
+              <a:endParaRPr lang="ko-KR" altLang="en-US" sz="1200" dirty="0">
+                <a:solidFill>
+                  <a:schemeClr val="tx1"/>
+                </a:solidFill>
+              </a:endParaRPr>
+            </a:p>
+          </p:txBody>
+        </p:sp>
+        <p:sp>
+          <p:nvSpPr>
+            <p:cNvPr id="109" name="모서리가 둥근 직사각형 108"/>
+            <p:cNvSpPr/>
+            <p:nvPr/>
+          </p:nvSpPr>
+          <p:spPr>
+            <a:xfrm>
+              <a:off x="4253498" y="3309572"/>
+              <a:ext cx="936000" cy="468000"/>
+            </a:xfrm>
+            <a:prstGeom prst="roundRect">
+              <a:avLst/>
+            </a:prstGeom>
+            <a:solidFill>
+              <a:schemeClr val="accent6">
+                <a:lumMod val="20000"/>
+                <a:lumOff val="80000"/>
+              </a:schemeClr>
+            </a:solidFill>
+            <a:ln w="9525">
+              <a:solidFill>
+                <a:schemeClr val="tx1"/>
+              </a:solidFill>
+            </a:ln>
+          </p:spPr>
+          <p:style>
+            <a:lnRef idx="2">
+              <a:schemeClr val="accent1">
+                <a:shade val="50000"/>
+              </a:schemeClr>
+            </a:lnRef>
+            <a:fillRef idx="1">
+              <a:schemeClr val="accent1"/>
+            </a:fillRef>
+            <a:effectRef idx="0">
+              <a:schemeClr val="accent1"/>
+            </a:effectRef>
+            <a:fontRef idx="minor">
+              <a:schemeClr val="lt1"/>
+            </a:fontRef>
+          </p:style>
+          <p:txBody>
+            <a:bodyPr rtlCol="0" anchor="ctr" anchorCtr="0"/>
+            <a:lstStyle/>
+            <a:p>
+              <a:pPr algn="ctr"/>
+              <a:r>
+                <a:rPr lang="en-US" altLang="ko-KR" sz="1200" dirty="0" smtClean="0">
+                  <a:solidFill>
+                    <a:schemeClr val="tx1"/>
+                  </a:solidFill>
+                </a:rPr>
+                <a:t>Screen Info</a:t>
+              </a:r>
+              <a:endParaRPr lang="ko-KR" altLang="en-US" sz="1200" dirty="0" smtClean="0">
+                <a:solidFill>
+                  <a:schemeClr val="tx1"/>
+                </a:solidFill>
+              </a:endParaRPr>
+            </a:p>
+          </p:txBody>
+        </p:sp>
+        <p:cxnSp>
+          <p:nvCxnSpPr>
+            <p:cNvPr id="110" name="구부러진 연결선 109"/>
+            <p:cNvCxnSpPr>
+              <a:stCxn id="105" idx="0"/>
+              <a:endCxn id="108" idx="0"/>
+            </p:cNvCxnSpPr>
+            <p:nvPr/>
+          </p:nvCxnSpPr>
+          <p:spPr>
+            <a:xfrm rot="5400000" flipH="1" flipV="1">
+              <a:off x="3826140" y="1058305"/>
+              <a:ext cx="38616" cy="1756976"/>
+            </a:xfrm>
+            <a:prstGeom prst="curvedConnector3">
+              <a:avLst>
+                <a:gd name="adj1" fmla="val 691983"/>
+              </a:avLst>
+            </a:prstGeom>
+            <a:ln>
+              <a:headEnd type="triangle"/>
+              <a:tailEnd type="triangle"/>
+            </a:ln>
+          </p:spPr>
+          <p:style>
+            <a:lnRef idx="1">
+              <a:schemeClr val="accent1"/>
+            </a:lnRef>
+            <a:fillRef idx="0">
+              <a:schemeClr val="accent1"/>
+            </a:fillRef>
+            <a:effectRef idx="0">
+              <a:schemeClr val="accent1"/>
+            </a:effectRef>
+            <a:fontRef idx="minor">
+              <a:schemeClr val="tx1"/>
+            </a:fontRef>
+          </p:style>
+        </p:cxnSp>
+        <p:sp>
+          <p:nvSpPr>
+            <p:cNvPr id="111" name="TextBox 110"/>
+            <p:cNvSpPr txBox="1"/>
+            <p:nvPr/>
+          </p:nvSpPr>
+          <p:spPr>
+            <a:xfrm>
+              <a:off x="3684247" y="1524797"/>
+              <a:ext cx="1412113" cy="338554"/>
+            </a:xfrm>
+            <a:prstGeom prst="rect">
+              <a:avLst/>
+            </a:prstGeom>
+            <a:noFill/>
+            <a:ln w="9525">
+              <a:noFill/>
+            </a:ln>
+          </p:spPr>
+          <p:txBody>
+            <a:bodyPr wrap="square" rtlCol="0">
+              <a:spAutoFit/>
+            </a:bodyPr>
+            <a:lstStyle/>
+            <a:p>
+              <a:pPr marL="171450" indent="-171450">
+                <a:buFont typeface="Arial" panose="020B0604020202020204" pitchFamily="34" charset="0"/>
+                <a:buChar char="•"/>
+              </a:pPr>
+              <a:r>
+                <a:rPr lang="en-US" altLang="ko-KR" sz="800" dirty="0" err="1" smtClean="0"/>
+                <a:t>Singal</a:t>
+              </a:r>
+              <a:r>
+                <a:rPr lang="en-US" altLang="ko-KR" sz="800" dirty="0" smtClean="0"/>
+                <a:t>/Slot Connection</a:t>
+              </a:r>
+            </a:p>
+            <a:p>
+              <a:pPr marL="171450" indent="-171450">
+                <a:buFont typeface="Arial" panose="020B0604020202020204" pitchFamily="34" charset="0"/>
+                <a:buChar char="•"/>
+              </a:pPr>
+              <a:r>
+                <a:rPr lang="en-US" altLang="ko-KR" sz="800" dirty="0" smtClean="0"/>
+                <a:t>Function Call</a:t>
+              </a:r>
+              <a:endParaRPr lang="ko-KR" altLang="en-US" sz="800" dirty="0"/>
+            </a:p>
+          </p:txBody>
+        </p:sp>
+        <p:sp>
+          <p:nvSpPr>
+            <p:cNvPr id="112" name="TextBox 111"/>
+            <p:cNvSpPr txBox="1"/>
+            <p:nvPr/>
+          </p:nvSpPr>
+          <p:spPr>
+            <a:xfrm>
+              <a:off x="4200534" y="3128372"/>
+              <a:ext cx="954752" cy="215444"/>
+            </a:xfrm>
+            <a:prstGeom prst="rect">
+              <a:avLst/>
+            </a:prstGeom>
+            <a:noFill/>
+            <a:ln w="9525">
+              <a:noFill/>
+            </a:ln>
+          </p:spPr>
+          <p:txBody>
+            <a:bodyPr wrap="square" rtlCol="0">
+              <a:spAutoFit/>
+            </a:bodyPr>
+            <a:lstStyle/>
+            <a:p>
+              <a:pPr marL="171450" indent="-171450">
+                <a:buFont typeface="Arial" panose="020B0604020202020204" pitchFamily="34" charset="0"/>
+                <a:buChar char="•"/>
+              </a:pPr>
+              <a:r>
+                <a:rPr lang="en-US" altLang="ko-KR" sz="800" dirty="0" smtClean="0"/>
+                <a:t>Function Call</a:t>
+              </a:r>
+              <a:endParaRPr lang="ko-KR" altLang="en-US" sz="800" dirty="0"/>
+            </a:p>
+          </p:txBody>
+        </p:sp>
+        <p:sp>
+          <p:nvSpPr>
+            <p:cNvPr id="113" name="모서리가 둥근 직사각형 112"/>
+            <p:cNvSpPr/>
+            <p:nvPr/>
+          </p:nvSpPr>
+          <p:spPr>
+            <a:xfrm>
+              <a:off x="778573" y="1918283"/>
+              <a:ext cx="936000" cy="468000"/>
+            </a:xfrm>
+            <a:prstGeom prst="roundRect">
+              <a:avLst/>
+            </a:prstGeom>
+            <a:solidFill>
+              <a:schemeClr val="accent6">
+                <a:lumMod val="20000"/>
+                <a:lumOff val="80000"/>
+              </a:schemeClr>
+            </a:solidFill>
+            <a:ln w="9525">
+              <a:solidFill>
+                <a:schemeClr val="tx1"/>
+              </a:solidFill>
+            </a:ln>
+          </p:spPr>
+          <p:style>
+            <a:lnRef idx="2">
+              <a:schemeClr val="accent1">
+                <a:shade val="50000"/>
+              </a:schemeClr>
+            </a:lnRef>
+            <a:fillRef idx="1">
+              <a:schemeClr val="accent1"/>
+            </a:fillRef>
+            <a:effectRef idx="0">
+              <a:schemeClr val="accent1"/>
+            </a:effectRef>
+            <a:fontRef idx="minor">
+              <a:schemeClr val="lt1"/>
+            </a:fontRef>
+          </p:style>
+          <p:txBody>
+            <a:bodyPr rtlCol="0" anchor="ctr" anchorCtr="0"/>
+            <a:lstStyle/>
+            <a:p>
+              <a:pPr algn="ctr"/>
+              <a:r>
+                <a:rPr lang="en-US" altLang="ko-KR" sz="1200" dirty="0" smtClean="0">
+                  <a:solidFill>
+                    <a:schemeClr val="tx1"/>
+                  </a:solidFill>
+                </a:rPr>
+                <a:t>Control Manager</a:t>
+              </a:r>
+              <a:endParaRPr lang="ko-KR" altLang="en-US" sz="1200" dirty="0" smtClean="0">
+                <a:solidFill>
+                  <a:schemeClr val="tx1"/>
+                </a:solidFill>
+              </a:endParaRPr>
+            </a:p>
+          </p:txBody>
+        </p:sp>
+        <p:sp>
+          <p:nvSpPr>
+            <p:cNvPr id="114" name="TextBox 113"/>
+            <p:cNvSpPr txBox="1"/>
+            <p:nvPr/>
+          </p:nvSpPr>
+          <p:spPr>
+            <a:xfrm>
+              <a:off x="2711613" y="2902775"/>
+              <a:ext cx="1143806" cy="307777"/>
+            </a:xfrm>
+            <a:prstGeom prst="rect">
+              <a:avLst/>
+            </a:prstGeom>
+            <a:noFill/>
+            <a:ln w="9525">
+              <a:noFill/>
+            </a:ln>
+          </p:spPr>
+          <p:txBody>
+            <a:bodyPr wrap="square" rtlCol="0">
+              <a:spAutoFit/>
+            </a:bodyPr>
+            <a:lstStyle/>
+            <a:p>
+              <a:pPr marL="171450" indent="-171450">
+                <a:buFont typeface="Arial" panose="020B0604020202020204" pitchFamily="34" charset="0"/>
+                <a:buChar char="•"/>
+              </a:pPr>
+              <a:r>
+                <a:rPr lang="en-US" altLang="ko-KR" sz="700" dirty="0" smtClean="0"/>
+                <a:t>Update </a:t>
+              </a:r>
+              <a:r>
+                <a:rPr lang="en-US" altLang="ko-KR" sz="700" dirty="0" err="1" smtClean="0"/>
+                <a:t>gui</a:t>
+              </a:r>
+              <a:endParaRPr lang="en-US" altLang="ko-KR" sz="700" dirty="0"/>
+            </a:p>
+            <a:p>
+              <a:pPr marL="171450" indent="-171450">
+                <a:buFont typeface="Arial" panose="020B0604020202020204" pitchFamily="34" charset="0"/>
+                <a:buChar char="•"/>
+              </a:pPr>
+              <a:r>
+                <a:rPr lang="en-US" altLang="ko-KR" sz="700" dirty="0" smtClean="0"/>
+                <a:t>Event handling</a:t>
+              </a:r>
+            </a:p>
+          </p:txBody>
+        </p:sp>
+        <p:sp>
+          <p:nvSpPr>
+            <p:cNvPr id="115" name="TextBox 114"/>
+            <p:cNvSpPr txBox="1"/>
+            <p:nvPr/>
+          </p:nvSpPr>
+          <p:spPr>
+            <a:xfrm>
+              <a:off x="2714711" y="2425154"/>
+              <a:ext cx="1137609" cy="415498"/>
+            </a:xfrm>
+            <a:prstGeom prst="rect">
+              <a:avLst/>
+            </a:prstGeom>
+            <a:noFill/>
+            <a:ln w="9525">
+              <a:noFill/>
+            </a:ln>
+          </p:spPr>
+          <p:txBody>
+            <a:bodyPr wrap="square" rtlCol="0">
+              <a:spAutoFit/>
+            </a:bodyPr>
+            <a:lstStyle/>
+            <a:p>
+              <a:pPr marL="171450" indent="-171450">
+                <a:buFont typeface="Arial" panose="020B0604020202020204" pitchFamily="34" charset="0"/>
+                <a:buChar char="•"/>
+              </a:pPr>
+              <a:r>
+                <a:rPr lang="en-US" altLang="ko-KR" sz="700" dirty="0" smtClean="0"/>
+                <a:t>Create screen / </a:t>
+              </a:r>
+              <a:r>
+                <a:rPr lang="en-US" altLang="ko-KR" sz="700" dirty="0" err="1" smtClean="0"/>
+                <a:t>gui</a:t>
+              </a:r>
+              <a:endParaRPr lang="en-US" altLang="ko-KR" sz="700" dirty="0" smtClean="0"/>
+            </a:p>
+            <a:p>
+              <a:pPr marL="171450" indent="-171450">
+                <a:buFont typeface="Arial" panose="020B0604020202020204" pitchFamily="34" charset="0"/>
+                <a:buChar char="•"/>
+              </a:pPr>
+              <a:r>
+                <a:rPr lang="en-US" altLang="ko-KR" sz="700" dirty="0" smtClean="0"/>
+                <a:t>Update property</a:t>
+              </a:r>
+              <a:endParaRPr lang="en-US" altLang="ko-KR" sz="700" dirty="0"/>
+            </a:p>
+            <a:p>
+              <a:pPr marL="171450" indent="-171450">
+                <a:buFont typeface="Arial" panose="020B0604020202020204" pitchFamily="34" charset="0"/>
+                <a:buChar char="•"/>
+              </a:pPr>
+              <a:r>
+                <a:rPr lang="en-US" altLang="ko-KR" sz="700" dirty="0" smtClean="0"/>
+                <a:t>Event handling</a:t>
+              </a:r>
+            </a:p>
+          </p:txBody>
+        </p:sp>
+        <p:sp>
+          <p:nvSpPr>
+            <p:cNvPr id="116" name="TextBox 115"/>
+            <p:cNvSpPr txBox="1"/>
+            <p:nvPr/>
+          </p:nvSpPr>
+          <p:spPr>
+            <a:xfrm>
+              <a:off x="2718252" y="1956102"/>
+              <a:ext cx="1134069" cy="415498"/>
+            </a:xfrm>
+            <a:prstGeom prst="rect">
+              <a:avLst/>
+            </a:prstGeom>
+            <a:noFill/>
+            <a:ln w="9525">
+              <a:noFill/>
+            </a:ln>
+          </p:spPr>
+          <p:txBody>
+            <a:bodyPr wrap="square" rtlCol="0">
+              <a:spAutoFit/>
+            </a:bodyPr>
+            <a:lstStyle/>
+            <a:p>
+              <a:pPr marL="171450" indent="-171450">
+                <a:buFont typeface="Arial" panose="020B0604020202020204" pitchFamily="34" charset="0"/>
+                <a:buChar char="•"/>
+              </a:pPr>
+              <a:r>
+                <a:rPr lang="en-US" altLang="ko-KR" sz="700" dirty="0" smtClean="0"/>
+                <a:t>Create hander</a:t>
+              </a:r>
+            </a:p>
+            <a:p>
+              <a:pPr marL="171450" indent="-171450">
+                <a:buFont typeface="Arial" panose="020B0604020202020204" pitchFamily="34" charset="0"/>
+                <a:buChar char="•"/>
+              </a:pPr>
+              <a:r>
+                <a:rPr lang="en-US" altLang="ko-KR" sz="700" dirty="0" smtClean="0"/>
+                <a:t>Update property</a:t>
+              </a:r>
+              <a:endParaRPr lang="en-US" altLang="ko-KR" sz="700" dirty="0"/>
+            </a:p>
+            <a:p>
+              <a:pPr marL="171450" indent="-171450">
+                <a:buFont typeface="Arial" panose="020B0604020202020204" pitchFamily="34" charset="0"/>
+                <a:buChar char="•"/>
+              </a:pPr>
+              <a:r>
+                <a:rPr lang="en-US" altLang="ko-KR" sz="700" dirty="0" smtClean="0"/>
+                <a:t>Event handling</a:t>
+              </a:r>
+            </a:p>
+          </p:txBody>
+        </p:sp>
+        <p:cxnSp>
+          <p:nvCxnSpPr>
+            <p:cNvPr id="117" name="구부러진 연결선 116"/>
+            <p:cNvCxnSpPr>
+              <a:stCxn id="113" idx="0"/>
+              <a:endCxn id="105" idx="0"/>
+            </p:cNvCxnSpPr>
+            <p:nvPr/>
+          </p:nvCxnSpPr>
+          <p:spPr>
+            <a:xfrm rot="16200000" flipH="1">
+              <a:off x="2087857" y="1076999"/>
+              <a:ext cx="37818" cy="1720387"/>
+            </a:xfrm>
+            <a:prstGeom prst="curvedConnector3">
+              <a:avLst>
+                <a:gd name="adj1" fmla="val -604474"/>
+              </a:avLst>
+            </a:prstGeom>
+            <a:ln>
+              <a:headEnd type="triangle"/>
+              <a:tailEnd type="triangle"/>
+            </a:ln>
+          </p:spPr>
+          <p:style>
+            <a:lnRef idx="1">
+              <a:schemeClr val="accent1"/>
+            </a:lnRef>
+            <a:fillRef idx="0">
+              <a:schemeClr val="accent1"/>
+            </a:fillRef>
+            <a:effectRef idx="0">
+              <a:schemeClr val="accent1"/>
+            </a:effectRef>
+            <a:fontRef idx="minor">
+              <a:schemeClr val="tx1"/>
+            </a:fontRef>
+          </p:style>
+        </p:cxnSp>
+        <p:sp>
+          <p:nvSpPr>
+            <p:cNvPr id="118" name="TextBox 117"/>
+            <p:cNvSpPr txBox="1"/>
+            <p:nvPr/>
+          </p:nvSpPr>
+          <p:spPr>
+            <a:xfrm>
+              <a:off x="1191555" y="1462285"/>
+              <a:ext cx="1412113" cy="461665"/>
+            </a:xfrm>
+            <a:prstGeom prst="rect">
+              <a:avLst/>
+            </a:prstGeom>
+            <a:noFill/>
+            <a:ln w="9525">
+              <a:noFill/>
+            </a:ln>
+          </p:spPr>
+          <p:txBody>
+            <a:bodyPr wrap="square" rtlCol="0">
+              <a:spAutoFit/>
+            </a:bodyPr>
+            <a:lstStyle/>
+            <a:p>
+              <a:pPr marL="171450" indent="-171450">
+                <a:buFont typeface="Arial" panose="020B0604020202020204" pitchFamily="34" charset="0"/>
+                <a:buChar char="•"/>
+              </a:pPr>
+              <a:r>
+                <a:rPr lang="en-US" altLang="ko-KR" sz="800" dirty="0" err="1" smtClean="0"/>
+                <a:t>Singal</a:t>
+              </a:r>
+              <a:r>
+                <a:rPr lang="en-US" altLang="ko-KR" sz="800" dirty="0" smtClean="0"/>
+                <a:t>/Slot Connection</a:t>
+              </a:r>
+            </a:p>
+            <a:p>
+              <a:pPr marL="171450" indent="-171450">
+                <a:buFont typeface="Arial" panose="020B0604020202020204" pitchFamily="34" charset="0"/>
+                <a:buChar char="•"/>
+              </a:pPr>
+              <a:r>
+                <a:rPr lang="en-US" altLang="ko-KR" sz="800" dirty="0" smtClean="0"/>
+                <a:t>Function Call</a:t>
+              </a:r>
+            </a:p>
+            <a:p>
+              <a:pPr marL="171450" indent="-171450">
+                <a:buFont typeface="Arial" panose="020B0604020202020204" pitchFamily="34" charset="0"/>
+                <a:buChar char="•"/>
+              </a:pPr>
+              <a:r>
+                <a:rPr lang="en-US" altLang="ko-KR" sz="800" dirty="0" smtClean="0"/>
+                <a:t>Send Event</a:t>
+              </a:r>
+              <a:endParaRPr lang="ko-KR" altLang="en-US" sz="800" dirty="0"/>
+            </a:p>
+          </p:txBody>
+        </p:sp>
+        <p:sp>
+          <p:nvSpPr>
+            <p:cNvPr id="119" name="직사각형 118"/>
+            <p:cNvSpPr/>
+            <p:nvPr/>
+          </p:nvSpPr>
+          <p:spPr>
+            <a:xfrm>
+              <a:off x="623345" y="4075186"/>
+              <a:ext cx="4739487" cy="371108"/>
+            </a:xfrm>
+            <a:prstGeom prst="rect">
+              <a:avLst/>
+            </a:prstGeom>
+            <a:solidFill>
+              <a:schemeClr val="accent4">
+                <a:lumMod val="40000"/>
+                <a:lumOff val="60000"/>
+              </a:schemeClr>
+            </a:solidFill>
+            <a:ln w="9525">
+              <a:solidFill>
+                <a:schemeClr val="tx1"/>
+              </a:solidFill>
+            </a:ln>
+          </p:spPr>
+          <p:style>
+            <a:lnRef idx="2">
+              <a:schemeClr val="accent1">
+                <a:shade val="50000"/>
+              </a:schemeClr>
+            </a:lnRef>
+            <a:fillRef idx="1">
+              <a:schemeClr val="accent1"/>
+            </a:fillRef>
+            <a:effectRef idx="0">
+              <a:schemeClr val="accent1"/>
+            </a:effectRef>
+            <a:fontRef idx="minor">
+              <a:schemeClr val="lt1"/>
+            </a:fontRef>
+          </p:style>
+          <p:txBody>
+            <a:bodyPr rtlCol="0" anchor="t" anchorCtr="0"/>
+            <a:lstStyle/>
+            <a:p>
+              <a:r>
+                <a:rPr lang="en-US" altLang="ko-KR" sz="1400" dirty="0" smtClean="0">
+                  <a:solidFill>
+                    <a:schemeClr val="tx1"/>
+                  </a:solidFill>
+                </a:rPr>
+                <a:t>Python</a:t>
+              </a:r>
+              <a:endParaRPr lang="ko-KR" altLang="en-US" sz="1400" dirty="0">
+                <a:solidFill>
+                  <a:schemeClr val="tx1"/>
+                </a:solidFill>
+              </a:endParaRPr>
+            </a:p>
+          </p:txBody>
+        </p:sp>
+        <p:cxnSp>
+          <p:nvCxnSpPr>
+            <p:cNvPr id="120" name="구부러진 연결선 119"/>
+            <p:cNvCxnSpPr>
+              <a:stCxn id="105" idx="2"/>
+              <a:endCxn id="119" idx="0"/>
+            </p:cNvCxnSpPr>
+            <p:nvPr/>
+          </p:nvCxnSpPr>
+          <p:spPr>
+            <a:xfrm rot="16200000" flipH="1">
+              <a:off x="2733844" y="3815940"/>
+              <a:ext cx="492361" cy="26129"/>
+            </a:xfrm>
+            <a:prstGeom prst="curvedConnector3">
+              <a:avLst>
+                <a:gd name="adj1" fmla="val 50000"/>
+              </a:avLst>
+            </a:prstGeom>
+            <a:ln>
+              <a:headEnd type="triangle"/>
+              <a:tailEnd type="triangle"/>
+            </a:ln>
+          </p:spPr>
+          <p:style>
+            <a:lnRef idx="1">
+              <a:schemeClr val="accent1"/>
+            </a:lnRef>
+            <a:fillRef idx="0">
+              <a:schemeClr val="accent1"/>
+            </a:fillRef>
+            <a:effectRef idx="0">
+              <a:schemeClr val="accent1"/>
+            </a:effectRef>
+            <a:fontRef idx="minor">
+              <a:schemeClr val="tx1"/>
+            </a:fontRef>
+          </p:style>
+        </p:cxnSp>
+        <p:sp>
+          <p:nvSpPr>
+            <p:cNvPr id="121" name="TextBox 120"/>
+            <p:cNvSpPr txBox="1"/>
+            <p:nvPr/>
+          </p:nvSpPr>
+          <p:spPr>
+            <a:xfrm>
+              <a:off x="2002169" y="3852266"/>
+              <a:ext cx="954752" cy="215444"/>
+            </a:xfrm>
+            <a:prstGeom prst="rect">
+              <a:avLst/>
+            </a:prstGeom>
+            <a:noFill/>
+            <a:ln w="9525">
+              <a:noFill/>
+            </a:ln>
+          </p:spPr>
+          <p:txBody>
+            <a:bodyPr wrap="square" rtlCol="0">
+              <a:spAutoFit/>
+            </a:bodyPr>
+            <a:lstStyle/>
+            <a:p>
+              <a:pPr marL="171450" indent="-171450">
+                <a:buFont typeface="Arial" panose="020B0604020202020204" pitchFamily="34" charset="0"/>
+                <a:buChar char="•"/>
+              </a:pPr>
+              <a:r>
+                <a:rPr lang="en-US" altLang="ko-KR" sz="800" dirty="0" smtClean="0"/>
+                <a:t>System Call</a:t>
+              </a:r>
+              <a:endParaRPr lang="ko-KR" altLang="en-US" sz="800" dirty="0"/>
+            </a:p>
+          </p:txBody>
+        </p:sp>
+        <p:sp>
+          <p:nvSpPr>
+            <p:cNvPr id="122" name="모서리가 둥근 직사각형 121"/>
+            <p:cNvSpPr/>
+            <p:nvPr/>
+          </p:nvSpPr>
+          <p:spPr>
+            <a:xfrm>
+              <a:off x="776643" y="2625972"/>
+              <a:ext cx="939474" cy="476400"/>
+            </a:xfrm>
+            <a:prstGeom prst="roundRect">
+              <a:avLst/>
+            </a:prstGeom>
+            <a:solidFill>
+              <a:schemeClr val="accent6">
+                <a:lumMod val="20000"/>
+                <a:lumOff val="80000"/>
+              </a:schemeClr>
+            </a:solidFill>
+            <a:ln w="9525">
+              <a:solidFill>
+                <a:schemeClr val="tx1"/>
+              </a:solidFill>
+            </a:ln>
+          </p:spPr>
+          <p:style>
+            <a:lnRef idx="2">
+              <a:schemeClr val="accent1">
+                <a:shade val="50000"/>
+              </a:schemeClr>
+            </a:lnRef>
+            <a:fillRef idx="1">
+              <a:schemeClr val="accent1"/>
+            </a:fillRef>
+            <a:effectRef idx="0">
+              <a:schemeClr val="accent1"/>
+            </a:effectRef>
+            <a:fontRef idx="minor">
+              <a:schemeClr val="lt1"/>
+            </a:fontRef>
+          </p:style>
+          <p:txBody>
+            <a:bodyPr rtlCol="0" anchor="ctr" anchorCtr="0"/>
+            <a:lstStyle/>
+            <a:p>
+              <a:pPr algn="ctr"/>
+              <a:r>
+                <a:rPr lang="en-US" altLang="ko-KR" sz="1200" dirty="0" smtClean="0">
+                  <a:solidFill>
+                    <a:schemeClr val="tx1"/>
+                  </a:solidFill>
+                </a:rPr>
+                <a:t>Popup</a:t>
+              </a:r>
+              <a:endParaRPr lang="ko-KR" altLang="en-US" sz="1200" dirty="0" smtClean="0">
+                <a:solidFill>
+                  <a:schemeClr val="tx1"/>
+                </a:solidFill>
+              </a:endParaRPr>
+            </a:p>
+          </p:txBody>
+        </p:sp>
+        <p:cxnSp>
+          <p:nvCxnSpPr>
+            <p:cNvPr id="123" name="구부러진 연결선 122"/>
+            <p:cNvCxnSpPr>
+              <a:stCxn id="122" idx="0"/>
+              <a:endCxn id="105" idx="0"/>
+            </p:cNvCxnSpPr>
+            <p:nvPr/>
+          </p:nvCxnSpPr>
+          <p:spPr>
+            <a:xfrm rot="5400000" flipH="1" flipV="1">
+              <a:off x="1771735" y="1430747"/>
+              <a:ext cx="669871" cy="1720580"/>
+            </a:xfrm>
+            <a:prstGeom prst="curvedConnector3">
+              <a:avLst>
+                <a:gd name="adj1" fmla="val 134126"/>
+              </a:avLst>
+            </a:prstGeom>
+            <a:ln>
+              <a:headEnd type="triangle"/>
+              <a:tailEnd type="triangle"/>
+            </a:ln>
+          </p:spPr>
+          <p:style>
+            <a:lnRef idx="1">
+              <a:schemeClr val="accent1"/>
+            </a:lnRef>
+            <a:fillRef idx="0">
+              <a:schemeClr val="accent1"/>
+            </a:fillRef>
+            <a:effectRef idx="0">
+              <a:schemeClr val="accent1"/>
+            </a:effectRef>
+            <a:fontRef idx="minor">
+              <a:schemeClr val="tx1"/>
+            </a:fontRef>
+          </p:style>
+        </p:cxnSp>
+        <p:sp>
+          <p:nvSpPr>
+            <p:cNvPr id="124" name="TextBox 123"/>
+            <p:cNvSpPr txBox="1"/>
+            <p:nvPr/>
+          </p:nvSpPr>
+          <p:spPr>
+            <a:xfrm>
+              <a:off x="733122" y="2417459"/>
+              <a:ext cx="954752" cy="215444"/>
+            </a:xfrm>
+            <a:prstGeom prst="rect">
+              <a:avLst/>
+            </a:prstGeom>
+            <a:noFill/>
+            <a:ln w="9525">
+              <a:noFill/>
+            </a:ln>
+          </p:spPr>
+          <p:txBody>
+            <a:bodyPr wrap="square" rtlCol="0">
+              <a:spAutoFit/>
+            </a:bodyPr>
+            <a:lstStyle/>
+            <a:p>
+              <a:pPr marL="171450" indent="-171450">
+                <a:buFont typeface="Arial" panose="020B0604020202020204" pitchFamily="34" charset="0"/>
+                <a:buChar char="•"/>
+              </a:pPr>
+              <a:r>
+                <a:rPr lang="en-US" altLang="ko-KR" sz="800" dirty="0" smtClean="0"/>
+                <a:t>Function Call</a:t>
+              </a:r>
+              <a:endParaRPr lang="ko-KR" altLang="en-US" sz="800" dirty="0"/>
+            </a:p>
+          </p:txBody>
+        </p:sp>
+        <p:sp>
+          <p:nvSpPr>
+            <p:cNvPr id="125" name="모서리가 둥근 직사각형 124"/>
+            <p:cNvSpPr/>
+            <p:nvPr/>
+          </p:nvSpPr>
+          <p:spPr>
+            <a:xfrm>
+              <a:off x="778573" y="3309572"/>
+              <a:ext cx="936000" cy="468000"/>
+            </a:xfrm>
+            <a:prstGeom prst="roundRect">
+              <a:avLst/>
+            </a:prstGeom>
+            <a:solidFill>
+              <a:schemeClr val="accent6">
+                <a:lumMod val="20000"/>
+                <a:lumOff val="80000"/>
+              </a:schemeClr>
+            </a:solidFill>
+            <a:ln w="9525">
+              <a:solidFill>
+                <a:schemeClr val="tx1"/>
+              </a:solidFill>
+            </a:ln>
+          </p:spPr>
+          <p:style>
+            <a:lnRef idx="2">
+              <a:schemeClr val="accent1">
+                <a:shade val="50000"/>
+              </a:schemeClr>
+            </a:lnRef>
+            <a:fillRef idx="1">
+              <a:schemeClr val="accent1"/>
+            </a:fillRef>
+            <a:effectRef idx="0">
+              <a:schemeClr val="accent1"/>
+            </a:effectRef>
+            <a:fontRef idx="minor">
+              <a:schemeClr val="lt1"/>
+            </a:fontRef>
+          </p:style>
+          <p:txBody>
+            <a:bodyPr rtlCol="0" anchor="ctr" anchorCtr="0"/>
+            <a:lstStyle/>
+            <a:p>
+              <a:pPr algn="ctr"/>
+              <a:r>
+                <a:rPr lang="en-US" altLang="ko-KR" sz="1200" dirty="0" smtClean="0">
+                  <a:solidFill>
+                    <a:schemeClr val="tx1"/>
+                  </a:solidFill>
+                </a:rPr>
+                <a:t>Dialog</a:t>
+              </a:r>
+              <a:endParaRPr lang="ko-KR" altLang="en-US" sz="1200" dirty="0" smtClean="0">
+                <a:solidFill>
+                  <a:schemeClr val="tx1"/>
+                </a:solidFill>
+              </a:endParaRPr>
+            </a:p>
+          </p:txBody>
+        </p:sp>
+        <p:cxnSp>
+          <p:nvCxnSpPr>
+            <p:cNvPr id="126" name="구부러진 연결선 125"/>
+            <p:cNvCxnSpPr>
+              <a:stCxn id="125" idx="3"/>
+              <a:endCxn id="107" idx="2"/>
+            </p:cNvCxnSpPr>
+            <p:nvPr/>
+          </p:nvCxnSpPr>
+          <p:spPr>
+            <a:xfrm flipV="1">
+              <a:off x="1714573" y="3370584"/>
+              <a:ext cx="1415170" cy="172988"/>
+            </a:xfrm>
+            <a:prstGeom prst="curvedConnector2">
+              <a:avLst/>
+            </a:prstGeom>
+            <a:ln>
+              <a:headEnd type="triangle"/>
+              <a:tailEnd type="triangle"/>
+            </a:ln>
+          </p:spPr>
+          <p:style>
+            <a:lnRef idx="1">
+              <a:schemeClr val="accent1"/>
+            </a:lnRef>
+            <a:fillRef idx="0">
+              <a:schemeClr val="accent1"/>
+            </a:fillRef>
+            <a:effectRef idx="0">
+              <a:schemeClr val="accent1"/>
+            </a:effectRef>
+            <a:fontRef idx="minor">
+              <a:schemeClr val="tx1"/>
+            </a:fontRef>
+          </p:style>
+        </p:cxnSp>
+        <p:sp>
+          <p:nvSpPr>
+            <p:cNvPr id="127" name="TextBox 126"/>
+            <p:cNvSpPr txBox="1"/>
+            <p:nvPr/>
+          </p:nvSpPr>
+          <p:spPr>
+            <a:xfrm>
+              <a:off x="713444" y="3130845"/>
+              <a:ext cx="1412113" cy="338554"/>
+            </a:xfrm>
+            <a:prstGeom prst="rect">
+              <a:avLst/>
+            </a:prstGeom>
+            <a:noFill/>
+            <a:ln w="9525">
+              <a:noFill/>
+            </a:ln>
+          </p:spPr>
+          <p:txBody>
+            <a:bodyPr wrap="square" rtlCol="0">
+              <a:spAutoFit/>
+            </a:bodyPr>
+            <a:lstStyle/>
+            <a:p>
+              <a:pPr marL="171450" indent="-171450">
+                <a:buFont typeface="Arial" panose="020B0604020202020204" pitchFamily="34" charset="0"/>
+                <a:buChar char="•"/>
+              </a:pPr>
+              <a:r>
+                <a:rPr lang="en-US" altLang="ko-KR" sz="800" dirty="0" err="1" smtClean="0"/>
+                <a:t>Singal</a:t>
+              </a:r>
+              <a:r>
+                <a:rPr lang="en-US" altLang="ko-KR" sz="800" dirty="0" smtClean="0"/>
+                <a:t>/Slot Connection</a:t>
+              </a:r>
+            </a:p>
+            <a:p>
+              <a:pPr marL="171450" indent="-171450">
+                <a:buFont typeface="Arial" panose="020B0604020202020204" pitchFamily="34" charset="0"/>
+                <a:buChar char="•"/>
+              </a:pPr>
+              <a:r>
+                <a:rPr lang="en-US" altLang="ko-KR" sz="800" dirty="0" smtClean="0"/>
+                <a:t>Function Call</a:t>
+              </a:r>
+              <a:endParaRPr lang="ko-KR" altLang="en-US" sz="800" dirty="0"/>
+            </a:p>
+          </p:txBody>
+        </p:sp>
+        <p:sp>
+          <p:nvSpPr>
+            <p:cNvPr id="128" name="모서리가 둥근 직사각형 127"/>
+            <p:cNvSpPr/>
+            <p:nvPr/>
+          </p:nvSpPr>
+          <p:spPr>
+            <a:xfrm>
+              <a:off x="4251872" y="2635036"/>
+              <a:ext cx="936000" cy="468000"/>
+            </a:xfrm>
+            <a:prstGeom prst="roundRect">
+              <a:avLst/>
+            </a:prstGeom>
+            <a:solidFill>
+              <a:schemeClr val="accent6">
+                <a:lumMod val="20000"/>
+                <a:lumOff val="80000"/>
+              </a:schemeClr>
+            </a:solidFill>
+            <a:ln w="9525">
+              <a:solidFill>
+                <a:schemeClr val="tx1"/>
+              </a:solidFill>
+            </a:ln>
+          </p:spPr>
+          <p:style>
+            <a:lnRef idx="2">
+              <a:schemeClr val="accent1">
+                <a:shade val="50000"/>
+              </a:schemeClr>
+            </a:lnRef>
+            <a:fillRef idx="1">
+              <a:schemeClr val="accent1"/>
+            </a:fillRef>
+            <a:effectRef idx="0">
+              <a:schemeClr val="accent1"/>
+            </a:effectRef>
+            <a:fontRef idx="minor">
+              <a:schemeClr val="lt1"/>
+            </a:fontRef>
+          </p:style>
+          <p:txBody>
+            <a:bodyPr rtlCol="0" anchor="ctr" anchorCtr="0"/>
+            <a:lstStyle/>
+            <a:p>
+              <a:pPr algn="ctr"/>
+              <a:r>
+                <a:rPr lang="en-US" altLang="ko-KR" sz="1200" dirty="0" smtClean="0">
+                  <a:solidFill>
+                    <a:schemeClr val="tx1"/>
+                  </a:solidFill>
+                </a:rPr>
+                <a:t>Test</a:t>
+              </a:r>
+              <a:br>
+                <a:rPr lang="en-US" altLang="ko-KR" sz="1200" dirty="0" smtClean="0">
+                  <a:solidFill>
+                    <a:schemeClr val="tx1"/>
+                  </a:solidFill>
+                </a:rPr>
+              </a:br>
+              <a:r>
+                <a:rPr lang="en-US" altLang="ko-KR" sz="1200" dirty="0" smtClean="0">
+                  <a:solidFill>
+                    <a:schemeClr val="tx1"/>
+                  </a:solidFill>
+                </a:rPr>
+                <a:t>Case</a:t>
+              </a:r>
+              <a:endParaRPr lang="ko-KR" altLang="en-US" sz="1200" dirty="0" smtClean="0">
+                <a:solidFill>
+                  <a:schemeClr val="tx1"/>
+                </a:solidFill>
+              </a:endParaRPr>
+            </a:p>
+          </p:txBody>
+        </p:sp>
+        <p:sp>
+          <p:nvSpPr>
+            <p:cNvPr id="129" name="TextBox 128"/>
+            <p:cNvSpPr txBox="1"/>
+            <p:nvPr/>
+          </p:nvSpPr>
+          <p:spPr>
+            <a:xfrm>
+              <a:off x="4198908" y="2429241"/>
+              <a:ext cx="954752" cy="215444"/>
+            </a:xfrm>
+            <a:prstGeom prst="rect">
+              <a:avLst/>
+            </a:prstGeom>
+            <a:noFill/>
+            <a:ln w="9525">
+              <a:noFill/>
+            </a:ln>
+          </p:spPr>
+          <p:txBody>
+            <a:bodyPr wrap="square" rtlCol="0">
+              <a:spAutoFit/>
+            </a:bodyPr>
+            <a:lstStyle/>
+            <a:p>
+              <a:pPr marL="171450" indent="-171450">
+                <a:buFont typeface="Arial" panose="020B0604020202020204" pitchFamily="34" charset="0"/>
+                <a:buChar char="•"/>
+              </a:pPr>
+              <a:r>
+                <a:rPr lang="en-US" altLang="ko-KR" sz="800" dirty="0" smtClean="0"/>
+                <a:t>Function Call</a:t>
+              </a:r>
+              <a:endParaRPr lang="ko-KR" altLang="en-US" sz="800" dirty="0"/>
+            </a:p>
+          </p:txBody>
+        </p:sp>
+        <p:cxnSp>
+          <p:nvCxnSpPr>
+            <p:cNvPr id="130" name="구부러진 연결선 129"/>
+            <p:cNvCxnSpPr>
+              <a:stCxn id="128" idx="0"/>
+              <a:endCxn id="105" idx="0"/>
+            </p:cNvCxnSpPr>
+            <p:nvPr/>
+          </p:nvCxnSpPr>
+          <p:spPr>
+            <a:xfrm rot="16200000" flipV="1">
+              <a:off x="3503949" y="1419113"/>
+              <a:ext cx="678935" cy="1752912"/>
+            </a:xfrm>
+            <a:prstGeom prst="curvedConnector3">
+              <a:avLst>
+                <a:gd name="adj1" fmla="val 133670"/>
+              </a:avLst>
+            </a:prstGeom>
+            <a:ln>
+              <a:headEnd type="triangle"/>
+              <a:tailEnd type="triangle"/>
+            </a:ln>
+          </p:spPr>
+          <p:style>
+            <a:lnRef idx="1">
+              <a:schemeClr val="accent1"/>
+            </a:lnRef>
+            <a:fillRef idx="0">
+              <a:schemeClr val="accent1"/>
+            </a:fillRef>
+            <a:effectRef idx="0">
+              <a:schemeClr val="accent1"/>
+            </a:effectRef>
+            <a:fontRef idx="minor">
+              <a:schemeClr val="tx1"/>
+            </a:fontRef>
+          </p:style>
+        </p:cxnSp>
+        <p:sp>
+          <p:nvSpPr>
+            <p:cNvPr id="131" name="모서리가 둥근 직사각형 130"/>
+            <p:cNvSpPr/>
+            <p:nvPr/>
+          </p:nvSpPr>
+          <p:spPr>
+            <a:xfrm>
+              <a:off x="1802337" y="4116740"/>
+              <a:ext cx="1440000" cy="288000"/>
+            </a:xfrm>
+            <a:prstGeom prst="roundRect">
+              <a:avLst/>
+            </a:prstGeom>
+            <a:solidFill>
+              <a:schemeClr val="accent4">
+                <a:lumMod val="20000"/>
+                <a:lumOff val="80000"/>
+              </a:schemeClr>
+            </a:solidFill>
+            <a:ln w="9525">
+              <a:solidFill>
+                <a:schemeClr val="tx1"/>
+              </a:solidFill>
+            </a:ln>
+          </p:spPr>
+          <p:style>
+            <a:lnRef idx="2">
+              <a:schemeClr val="accent1">
+                <a:shade val="50000"/>
+              </a:schemeClr>
+            </a:lnRef>
+            <a:fillRef idx="1">
+              <a:schemeClr val="accent1"/>
+            </a:fillRef>
+            <a:effectRef idx="0">
+              <a:schemeClr val="accent1"/>
+            </a:effectRef>
+            <a:fontRef idx="minor">
+              <a:schemeClr val="lt1"/>
+            </a:fontRef>
+          </p:style>
+          <p:txBody>
+            <a:bodyPr rtlCol="0" anchor="ctr" anchorCtr="0"/>
+            <a:lstStyle/>
+            <a:p>
+              <a:pPr marL="171450" indent="-171450">
+                <a:buFont typeface="Arial" panose="020B0604020202020204" pitchFamily="34" charset="0"/>
+                <a:buChar char="•"/>
+              </a:pPr>
+              <a:r>
+                <a:rPr lang="en-US" altLang="ko-KR" sz="700" dirty="0">
+                  <a:solidFill>
+                    <a:schemeClr val="tx1"/>
+                  </a:solidFill>
+                </a:rPr>
+                <a:t>Excel Open / Save</a:t>
+              </a:r>
+            </a:p>
+            <a:p>
+              <a:pPr marL="171450" indent="-171450">
+                <a:buFont typeface="Arial" panose="020B0604020202020204" pitchFamily="34" charset="0"/>
+                <a:buChar char="•"/>
+              </a:pPr>
+              <a:r>
+                <a:rPr lang="en-US" altLang="ko-KR" sz="700" dirty="0">
+                  <a:solidFill>
+                    <a:schemeClr val="tx1"/>
+                  </a:solidFill>
+                </a:rPr>
+                <a:t>Excel Parsing</a:t>
+              </a:r>
+            </a:p>
+          </p:txBody>
+        </p:sp>
+        <p:sp>
+          <p:nvSpPr>
+            <p:cNvPr id="132" name="모서리가 둥근 직사각형 131"/>
+            <p:cNvSpPr/>
+            <p:nvPr/>
+          </p:nvSpPr>
+          <p:spPr>
+            <a:xfrm>
+              <a:off x="3558737" y="4116740"/>
+              <a:ext cx="1440000" cy="288000"/>
+            </a:xfrm>
+            <a:prstGeom prst="roundRect">
+              <a:avLst/>
+            </a:prstGeom>
+            <a:solidFill>
+              <a:schemeClr val="accent4">
+                <a:lumMod val="20000"/>
+                <a:lumOff val="80000"/>
+              </a:schemeClr>
+            </a:solidFill>
+            <a:ln w="9525">
+              <a:solidFill>
+                <a:schemeClr val="tx1"/>
+              </a:solidFill>
+            </a:ln>
+          </p:spPr>
+          <p:style>
+            <a:lnRef idx="2">
+              <a:schemeClr val="accent1">
+                <a:shade val="50000"/>
+              </a:schemeClr>
+            </a:lnRef>
+            <a:fillRef idx="1">
+              <a:schemeClr val="accent1"/>
+            </a:fillRef>
+            <a:effectRef idx="0">
+              <a:schemeClr val="accent1"/>
+            </a:effectRef>
+            <a:fontRef idx="minor">
+              <a:schemeClr val="lt1"/>
+            </a:fontRef>
+          </p:style>
+          <p:txBody>
+            <a:bodyPr rtlCol="0" anchor="ctr" anchorCtr="0"/>
+            <a:lstStyle/>
+            <a:p>
+              <a:pPr marL="171450" indent="-171450">
+                <a:buFont typeface="Arial" panose="020B0604020202020204" pitchFamily="34" charset="0"/>
+                <a:buChar char="•"/>
+              </a:pPr>
+              <a:r>
+                <a:rPr lang="en-US" altLang="ko-KR" sz="700" dirty="0" smtClean="0">
+                  <a:solidFill>
+                    <a:schemeClr val="tx1"/>
+                  </a:solidFill>
+                </a:rPr>
+                <a:t>Test Case Gen</a:t>
+              </a:r>
+            </a:p>
+            <a:p>
+              <a:pPr marL="171450" indent="-171450">
+                <a:buFont typeface="Arial" panose="020B0604020202020204" pitchFamily="34" charset="0"/>
+                <a:buChar char="•"/>
+              </a:pPr>
+              <a:r>
+                <a:rPr lang="en-US" altLang="ko-KR" sz="700" dirty="0" smtClean="0">
+                  <a:solidFill>
+                    <a:schemeClr val="tx1"/>
+                  </a:solidFill>
+                </a:rPr>
+                <a:t>Create </a:t>
+              </a:r>
+              <a:r>
+                <a:rPr lang="en-US" altLang="ko-KR" sz="700" dirty="0" err="1" smtClean="0">
+                  <a:solidFill>
+                    <a:schemeClr val="tx1"/>
+                  </a:solidFill>
+                </a:rPr>
+                <a:t>Json</a:t>
+              </a:r>
+              <a:endParaRPr lang="en-US" altLang="ko-KR" sz="700" dirty="0">
+                <a:solidFill>
+                  <a:schemeClr val="tx1"/>
+                </a:solidFill>
+              </a:endParaRPr>
+            </a:p>
+          </p:txBody>
+        </p:sp>
+        <p:cxnSp>
+          <p:nvCxnSpPr>
+            <p:cNvPr id="133" name="구부러진 연결선 132"/>
+            <p:cNvCxnSpPr>
+              <a:stCxn id="106" idx="0"/>
+              <a:endCxn id="109" idx="0"/>
+            </p:cNvCxnSpPr>
+            <p:nvPr/>
+          </p:nvCxnSpPr>
+          <p:spPr>
+            <a:xfrm rot="16200000" flipH="1">
+              <a:off x="3455853" y="2043928"/>
+              <a:ext cx="852208" cy="1679081"/>
+            </a:xfrm>
+            <a:prstGeom prst="curvedConnector3">
+              <a:avLst>
+                <a:gd name="adj1" fmla="val -26824"/>
+              </a:avLst>
+            </a:prstGeom>
+            <a:ln>
+              <a:headEnd type="triangle"/>
+              <a:tailEnd type="triangle"/>
+            </a:ln>
+          </p:spPr>
+          <p:style>
+            <a:lnRef idx="1">
+              <a:schemeClr val="accent1"/>
+            </a:lnRef>
+            <a:fillRef idx="0">
+              <a:schemeClr val="accent1"/>
+            </a:fillRef>
+            <a:effectRef idx="0">
+              <a:schemeClr val="accent1"/>
+            </a:effectRef>
+            <a:fontRef idx="minor">
+              <a:schemeClr val="tx1"/>
+            </a:fontRef>
+          </p:style>
+        </p:cxnSp>
+      </p:grpSp>
+    </p:spTree>
+    <p:extLst>
+      <p:ext uri="{BB962C8B-B14F-4D97-AF65-F5344CB8AC3E}">
+        <p14:creationId xmlns:p14="http://schemas.microsoft.com/office/powerpoint/2010/main" val="2356739803"/>
       </p:ext>
     </p:extLst>
   </p:cSld>
